--- a/analysis/prediction_supplement/prediction_combination.pptx
+++ b/analysis/prediction_supplement/prediction_combination.pptx
@@ -2,18 +2,18 @@
 <file path=ppt/presentation.xml><?xml version="1.0" encoding="utf-8"?>
 <p:presentation xmlns:a="http://schemas.openxmlformats.org/drawingml/2006/main" xmlns:r="http://schemas.openxmlformats.org/officeDocument/2006/relationships" xmlns:p="http://schemas.openxmlformats.org/presentationml/2006/main" saveSubsetFonts="1" autoCompressPictures="0">
   <p:sldMasterIdLst>
-    <p:sldMasterId id="2147483648" r:id="rId1"/>
+    <p:sldMasterId id="2147483672" r:id="rId1"/>
   </p:sldMasterIdLst>
   <p:sldIdLst>
     <p:sldId id="256" r:id="rId2"/>
   </p:sldIdLst>
-  <p:sldSz cx="12192000" cy="6858000"/>
+  <p:sldSz cx="16256000" cy="12192000"/>
   <p:notesSz cx="6858000" cy="9144000"/>
   <p:defaultTextStyle>
     <a:defPPr>
       <a:defRPr lang="en-US"/>
     </a:defPPr>
-    <a:lvl1pPr marL="0" algn="l" defTabSz="914400" rtl="0" eaLnBrk="1" latinLnBrk="0" hangingPunct="1">
+    <a:lvl1pPr marL="0" algn="l" defTabSz="457200" rtl="0" eaLnBrk="1" latinLnBrk="0" hangingPunct="1">
       <a:defRPr sz="1800" kern="1200">
         <a:solidFill>
           <a:schemeClr val="tx1"/>
@@ -23,7 +23,7 @@
         <a:cs typeface="+mn-cs"/>
       </a:defRPr>
     </a:lvl1pPr>
-    <a:lvl2pPr marL="457200" algn="l" defTabSz="914400" rtl="0" eaLnBrk="1" latinLnBrk="0" hangingPunct="1">
+    <a:lvl2pPr marL="457200" algn="l" defTabSz="457200" rtl="0" eaLnBrk="1" latinLnBrk="0" hangingPunct="1">
       <a:defRPr sz="1800" kern="1200">
         <a:solidFill>
           <a:schemeClr val="tx1"/>
@@ -33,7 +33,7 @@
         <a:cs typeface="+mn-cs"/>
       </a:defRPr>
     </a:lvl2pPr>
-    <a:lvl3pPr marL="914400" algn="l" defTabSz="914400" rtl="0" eaLnBrk="1" latinLnBrk="0" hangingPunct="1">
+    <a:lvl3pPr marL="914400" algn="l" defTabSz="457200" rtl="0" eaLnBrk="1" latinLnBrk="0" hangingPunct="1">
       <a:defRPr sz="1800" kern="1200">
         <a:solidFill>
           <a:schemeClr val="tx1"/>
@@ -43,7 +43,7 @@
         <a:cs typeface="+mn-cs"/>
       </a:defRPr>
     </a:lvl3pPr>
-    <a:lvl4pPr marL="1371600" algn="l" defTabSz="914400" rtl="0" eaLnBrk="1" latinLnBrk="0" hangingPunct="1">
+    <a:lvl4pPr marL="1371600" algn="l" defTabSz="457200" rtl="0" eaLnBrk="1" latinLnBrk="0" hangingPunct="1">
       <a:defRPr sz="1800" kern="1200">
         <a:solidFill>
           <a:schemeClr val="tx1"/>
@@ -53,7 +53,7 @@
         <a:cs typeface="+mn-cs"/>
       </a:defRPr>
     </a:lvl4pPr>
-    <a:lvl5pPr marL="1828800" algn="l" defTabSz="914400" rtl="0" eaLnBrk="1" latinLnBrk="0" hangingPunct="1">
+    <a:lvl5pPr marL="1828800" algn="l" defTabSz="457200" rtl="0" eaLnBrk="1" latinLnBrk="0" hangingPunct="1">
       <a:defRPr sz="1800" kern="1200">
         <a:solidFill>
           <a:schemeClr val="tx1"/>
@@ -63,7 +63,7 @@
         <a:cs typeface="+mn-cs"/>
       </a:defRPr>
     </a:lvl5pPr>
-    <a:lvl6pPr marL="2286000" algn="l" defTabSz="914400" rtl="0" eaLnBrk="1" latinLnBrk="0" hangingPunct="1">
+    <a:lvl6pPr marL="2286000" algn="l" defTabSz="457200" rtl="0" eaLnBrk="1" latinLnBrk="0" hangingPunct="1">
       <a:defRPr sz="1800" kern="1200">
         <a:solidFill>
           <a:schemeClr val="tx1"/>
@@ -73,7 +73,7 @@
         <a:cs typeface="+mn-cs"/>
       </a:defRPr>
     </a:lvl6pPr>
-    <a:lvl7pPr marL="2743200" algn="l" defTabSz="914400" rtl="0" eaLnBrk="1" latinLnBrk="0" hangingPunct="1">
+    <a:lvl7pPr marL="2743200" algn="l" defTabSz="457200" rtl="0" eaLnBrk="1" latinLnBrk="0" hangingPunct="1">
       <a:defRPr sz="1800" kern="1200">
         <a:solidFill>
           <a:schemeClr val="tx1"/>
@@ -83,7 +83,7 @@
         <a:cs typeface="+mn-cs"/>
       </a:defRPr>
     </a:lvl7pPr>
-    <a:lvl8pPr marL="3200400" algn="l" defTabSz="914400" rtl="0" eaLnBrk="1" latinLnBrk="0" hangingPunct="1">
+    <a:lvl8pPr marL="3200400" algn="l" defTabSz="457200" rtl="0" eaLnBrk="1" latinLnBrk="0" hangingPunct="1">
       <a:defRPr sz="1800" kern="1200">
         <a:solidFill>
           <a:schemeClr val="tx1"/>
@@ -93,7 +93,7 @@
         <a:cs typeface="+mn-cs"/>
       </a:defRPr>
     </a:lvl8pPr>
-    <a:lvl9pPr marL="3657600" algn="l" defTabSz="914400" rtl="0" eaLnBrk="1" latinLnBrk="0" hangingPunct="1">
+    <a:lvl9pPr marL="3657600" algn="l" defTabSz="457200" rtl="0" eaLnBrk="1" latinLnBrk="0" hangingPunct="1">
       <a:defRPr sz="1800" kern="1200">
         <a:solidFill>
           <a:schemeClr val="tx1"/>
@@ -107,12 +107,22 @@
   <p:extLst>
     <p:ext uri="{EFAFB233-063F-42B5-8137-9DF3F51BA10A}">
       <p15:sldGuideLst xmlns:p15="http://schemas.microsoft.com/office/powerpoint/2012/main">
-        <p15:guide id="1" orient="horz" pos="2160" userDrawn="1">
+        <p15:guide id="1" orient="horz" pos="3840" userDrawn="1">
           <p15:clr>
             <a:srgbClr val="A4A3A4"/>
           </p15:clr>
         </p15:guide>
-        <p15:guide id="2" pos="3840" userDrawn="1">
+        <p15:guide id="2" pos="5120" userDrawn="1">
+          <p15:clr>
+            <a:srgbClr val="A4A3A4"/>
+          </p15:clr>
+        </p15:guide>
+        <p15:guide id="3" pos="584" userDrawn="1">
+          <p15:clr>
+            <a:srgbClr val="A4A3A4"/>
+          </p15:clr>
+        </p15:guide>
+        <p15:guide id="4" pos="9656" userDrawn="1">
           <p15:clr>
             <a:srgbClr val="A4A3A4"/>
           </p15:clr>
@@ -142,13 +152,7 @@
       </p:grpSpPr>
       <p:sp>
         <p:nvSpPr>
-          <p:cNvPr id="2" name="Title 1">
-            <a:extLst>
-              <a:ext uri="{FF2B5EF4-FFF2-40B4-BE49-F238E27FC236}">
-                <a16:creationId xmlns:a16="http://schemas.microsoft.com/office/drawing/2014/main" id="{3E7C7F7D-D9CC-774C-B892-1B9F284C95B9}"/>
-              </a:ext>
-            </a:extLst>
-          </p:cNvPr>
+          <p:cNvPr id="2" name="Title 1"/>
           <p:cNvSpPr>
             <a:spLocks noGrp="1"/>
           </p:cNvSpPr>
@@ -158,15 +162,15 @@
         </p:nvSpPr>
         <p:spPr>
           <a:xfrm>
-            <a:off x="1524000" y="1122363"/>
-            <a:ext cx="9144000" cy="2387600"/>
+            <a:off x="1219200" y="1995312"/>
+            <a:ext cx="13817600" cy="4244622"/>
           </a:xfrm>
         </p:spPr>
         <p:txBody>
           <a:bodyPr anchor="b"/>
           <a:lstStyle>
             <a:lvl1pPr algn="ctr">
-              <a:defRPr sz="6000"/>
+              <a:defRPr sz="10667"/>
             </a:lvl1pPr>
           </a:lstStyle>
           <a:p>
@@ -174,18 +178,13 @@
               <a:rPr lang="en-US"/>
               <a:t>Click to edit Master title style</a:t>
             </a:r>
-          </a:p>
-        </p:txBody>
-      </p:sp>
-      <p:sp>
-        <p:nvSpPr>
-          <p:cNvPr id="3" name="Subtitle 2">
-            <a:extLst>
-              <a:ext uri="{FF2B5EF4-FFF2-40B4-BE49-F238E27FC236}">
-                <a16:creationId xmlns:a16="http://schemas.microsoft.com/office/drawing/2014/main" id="{9D11B1D3-E7CF-DA40-BB7C-CE1CCAF08193}"/>
-              </a:ext>
-            </a:extLst>
-          </p:cNvPr>
+            <a:endParaRPr lang="en-US" dirty="0"/>
+          </a:p>
+        </p:txBody>
+      </p:sp>
+      <p:sp>
+        <p:nvSpPr>
+          <p:cNvPr id="3" name="Subtitle 2"/>
           <p:cNvSpPr>
             <a:spLocks noGrp="1"/>
           </p:cNvSpPr>
@@ -195,8 +194,8 @@
         </p:nvSpPr>
         <p:spPr>
           <a:xfrm>
-            <a:off x="1524000" y="3602038"/>
-            <a:ext cx="9144000" cy="1655762"/>
+            <a:off x="2032000" y="6403623"/>
+            <a:ext cx="12192000" cy="2943577"/>
           </a:xfrm>
         </p:spPr>
         <p:txBody>
@@ -204,39 +203,39 @@
           <a:lstStyle>
             <a:lvl1pPr marL="0" indent="0" algn="ctr">
               <a:buNone/>
-              <a:defRPr sz="2400"/>
+              <a:defRPr sz="4267"/>
             </a:lvl1pPr>
-            <a:lvl2pPr marL="457200" indent="0" algn="ctr">
-              <a:buNone/>
-              <a:defRPr sz="2000"/>
+            <a:lvl2pPr marL="812810" indent="0" algn="ctr">
+              <a:buNone/>
+              <a:defRPr sz="3556"/>
             </a:lvl2pPr>
-            <a:lvl3pPr marL="914400" indent="0" algn="ctr">
-              <a:buNone/>
-              <a:defRPr sz="1800"/>
+            <a:lvl3pPr marL="1625620" indent="0" algn="ctr">
+              <a:buNone/>
+              <a:defRPr sz="3200"/>
             </a:lvl3pPr>
-            <a:lvl4pPr marL="1371600" indent="0" algn="ctr">
-              <a:buNone/>
-              <a:defRPr sz="1600"/>
+            <a:lvl4pPr marL="2438430" indent="0" algn="ctr">
+              <a:buNone/>
+              <a:defRPr sz="2844"/>
             </a:lvl4pPr>
-            <a:lvl5pPr marL="1828800" indent="0" algn="ctr">
-              <a:buNone/>
-              <a:defRPr sz="1600"/>
+            <a:lvl5pPr marL="3251241" indent="0" algn="ctr">
+              <a:buNone/>
+              <a:defRPr sz="2844"/>
             </a:lvl5pPr>
-            <a:lvl6pPr marL="2286000" indent="0" algn="ctr">
-              <a:buNone/>
-              <a:defRPr sz="1600"/>
+            <a:lvl6pPr marL="4064051" indent="0" algn="ctr">
+              <a:buNone/>
+              <a:defRPr sz="2844"/>
             </a:lvl6pPr>
-            <a:lvl7pPr marL="2743200" indent="0" algn="ctr">
-              <a:buNone/>
-              <a:defRPr sz="1600"/>
+            <a:lvl7pPr marL="4876861" indent="0" algn="ctr">
+              <a:buNone/>
+              <a:defRPr sz="2844"/>
             </a:lvl7pPr>
-            <a:lvl8pPr marL="3200400" indent="0" algn="ctr">
-              <a:buNone/>
-              <a:defRPr sz="1600"/>
+            <a:lvl8pPr marL="5689671" indent="0" algn="ctr">
+              <a:buNone/>
+              <a:defRPr sz="2844"/>
             </a:lvl8pPr>
-            <a:lvl9pPr marL="3657600" indent="0" algn="ctr">
-              <a:buNone/>
-              <a:defRPr sz="1600"/>
+            <a:lvl9pPr marL="6502481" indent="0" algn="ctr">
+              <a:buNone/>
+              <a:defRPr sz="2844"/>
             </a:lvl9pPr>
           </a:lstStyle>
           <a:p>
@@ -244,18 +243,13 @@
               <a:rPr lang="en-US"/>
               <a:t>Click to edit Master subtitle style</a:t>
             </a:r>
-          </a:p>
-        </p:txBody>
-      </p:sp>
-      <p:sp>
-        <p:nvSpPr>
-          <p:cNvPr id="4" name="Date Placeholder 3">
-            <a:extLst>
-              <a:ext uri="{FF2B5EF4-FFF2-40B4-BE49-F238E27FC236}">
-                <a16:creationId xmlns:a16="http://schemas.microsoft.com/office/drawing/2014/main" id="{CE269C04-AED5-6645-A64A-6C5D5D561065}"/>
-              </a:ext>
-            </a:extLst>
-          </p:cNvPr>
+            <a:endParaRPr lang="en-US" dirty="0"/>
+          </a:p>
+        </p:txBody>
+      </p:sp>
+      <p:sp>
+        <p:nvSpPr>
+          <p:cNvPr id="4" name="Date Placeholder 3"/>
           <p:cNvSpPr>
             <a:spLocks noGrp="1"/>
           </p:cNvSpPr>
@@ -270,7 +264,7 @@
           <a:p>
             <a:fld id="{7E12C33F-D2B0-4D4A-8E7C-165AB81C62D6}" type="datetimeFigureOut">
               <a:rPr lang="en-US" smtClean="0"/>
-              <a:t>12/3/21</a:t>
+              <a:t>12/10/21</a:t>
             </a:fld>
             <a:endParaRPr lang="en-US"/>
           </a:p>
@@ -278,13 +272,7 @@
       </p:sp>
       <p:sp>
         <p:nvSpPr>
-          <p:cNvPr id="5" name="Footer Placeholder 4">
-            <a:extLst>
-              <a:ext uri="{FF2B5EF4-FFF2-40B4-BE49-F238E27FC236}">
-                <a16:creationId xmlns:a16="http://schemas.microsoft.com/office/drawing/2014/main" id="{3B5C9B51-A424-0248-B1DC-F51BAAB8B13D}"/>
-              </a:ext>
-            </a:extLst>
-          </p:cNvPr>
+          <p:cNvPr id="5" name="Footer Placeholder 4"/>
           <p:cNvSpPr>
             <a:spLocks noGrp="1"/>
           </p:cNvSpPr>
@@ -303,13 +291,7 @@
       </p:sp>
       <p:sp>
         <p:nvSpPr>
-          <p:cNvPr id="6" name="Slide Number Placeholder 5">
-            <a:extLst>
-              <a:ext uri="{FF2B5EF4-FFF2-40B4-BE49-F238E27FC236}">
-                <a16:creationId xmlns:a16="http://schemas.microsoft.com/office/drawing/2014/main" id="{B78D6228-D4E3-1647-9C77-CD04A8388249}"/>
-              </a:ext>
-            </a:extLst>
-          </p:cNvPr>
+          <p:cNvPr id="6" name="Slide Number Placeholder 5"/>
           <p:cNvSpPr>
             <a:spLocks noGrp="1"/>
           </p:cNvSpPr>
@@ -333,7 +315,7 @@
     </p:spTree>
     <p:extLst>
       <p:ext uri="{BB962C8B-B14F-4D97-AF65-F5344CB8AC3E}">
-        <p14:creationId xmlns:p14="http://schemas.microsoft.com/office/powerpoint/2010/main" val="3004543906"/>
+        <p14:creationId xmlns:p14="http://schemas.microsoft.com/office/powerpoint/2010/main" val="2401934250"/>
       </p:ext>
     </p:extLst>
   </p:cSld>
@@ -362,13 +344,7 @@
       </p:grpSpPr>
       <p:sp>
         <p:nvSpPr>
-          <p:cNvPr id="2" name="Title 1">
-            <a:extLst>
-              <a:ext uri="{FF2B5EF4-FFF2-40B4-BE49-F238E27FC236}">
-                <a16:creationId xmlns:a16="http://schemas.microsoft.com/office/drawing/2014/main" id="{055F4A8C-6C0C-324B-9C3B-81E0DB1FAF9C}"/>
-              </a:ext>
-            </a:extLst>
-          </p:cNvPr>
+          <p:cNvPr id="2" name="Title 1"/>
           <p:cNvSpPr>
             <a:spLocks noGrp="1"/>
           </p:cNvSpPr>
@@ -385,18 +361,13 @@
               <a:rPr lang="en-US"/>
               <a:t>Click to edit Master title style</a:t>
             </a:r>
-          </a:p>
-        </p:txBody>
-      </p:sp>
-      <p:sp>
-        <p:nvSpPr>
-          <p:cNvPr id="3" name="Vertical Text Placeholder 2">
-            <a:extLst>
-              <a:ext uri="{FF2B5EF4-FFF2-40B4-BE49-F238E27FC236}">
-                <a16:creationId xmlns:a16="http://schemas.microsoft.com/office/drawing/2014/main" id="{F07003A0-EDF3-984E-9CA6-1E4AE8F2B690}"/>
-              </a:ext>
-            </a:extLst>
-          </p:cNvPr>
+            <a:endParaRPr lang="en-US" dirty="0"/>
+          </a:p>
+        </p:txBody>
+      </p:sp>
+      <p:sp>
+        <p:nvSpPr>
+          <p:cNvPr id="3" name="Vertical Text Placeholder 2"/>
           <p:cNvSpPr>
             <a:spLocks noGrp="1"/>
           </p:cNvSpPr>
@@ -442,18 +413,13 @@
               <a:rPr lang="en-US"/>
               <a:t>Fifth level</a:t>
             </a:r>
-          </a:p>
-        </p:txBody>
-      </p:sp>
-      <p:sp>
-        <p:nvSpPr>
-          <p:cNvPr id="4" name="Date Placeholder 3">
-            <a:extLst>
-              <a:ext uri="{FF2B5EF4-FFF2-40B4-BE49-F238E27FC236}">
-                <a16:creationId xmlns:a16="http://schemas.microsoft.com/office/drawing/2014/main" id="{A933C40E-78ED-FB42-BC9F-549312015D88}"/>
-              </a:ext>
-            </a:extLst>
-          </p:cNvPr>
+            <a:endParaRPr lang="en-US" dirty="0"/>
+          </a:p>
+        </p:txBody>
+      </p:sp>
+      <p:sp>
+        <p:nvSpPr>
+          <p:cNvPr id="4" name="Date Placeholder 3"/>
           <p:cNvSpPr>
             <a:spLocks noGrp="1"/>
           </p:cNvSpPr>
@@ -468,7 +434,7 @@
           <a:p>
             <a:fld id="{7E12C33F-D2B0-4D4A-8E7C-165AB81C62D6}" type="datetimeFigureOut">
               <a:rPr lang="en-US" smtClean="0"/>
-              <a:t>12/3/21</a:t>
+              <a:t>12/10/21</a:t>
             </a:fld>
             <a:endParaRPr lang="en-US"/>
           </a:p>
@@ -476,13 +442,7 @@
       </p:sp>
       <p:sp>
         <p:nvSpPr>
-          <p:cNvPr id="5" name="Footer Placeholder 4">
-            <a:extLst>
-              <a:ext uri="{FF2B5EF4-FFF2-40B4-BE49-F238E27FC236}">
-                <a16:creationId xmlns:a16="http://schemas.microsoft.com/office/drawing/2014/main" id="{C13DDD84-2E65-CF47-AAEC-DA3C98D1F924}"/>
-              </a:ext>
-            </a:extLst>
-          </p:cNvPr>
+          <p:cNvPr id="5" name="Footer Placeholder 4"/>
           <p:cNvSpPr>
             <a:spLocks noGrp="1"/>
           </p:cNvSpPr>
@@ -501,13 +461,7 @@
       </p:sp>
       <p:sp>
         <p:nvSpPr>
-          <p:cNvPr id="6" name="Slide Number Placeholder 5">
-            <a:extLst>
-              <a:ext uri="{FF2B5EF4-FFF2-40B4-BE49-F238E27FC236}">
-                <a16:creationId xmlns:a16="http://schemas.microsoft.com/office/drawing/2014/main" id="{E1470844-70C7-2541-A475-359D6109491A}"/>
-              </a:ext>
-            </a:extLst>
-          </p:cNvPr>
+          <p:cNvPr id="6" name="Slide Number Placeholder 5"/>
           <p:cNvSpPr>
             <a:spLocks noGrp="1"/>
           </p:cNvSpPr>
@@ -531,7 +485,7 @@
     </p:spTree>
     <p:extLst>
       <p:ext uri="{BB962C8B-B14F-4D97-AF65-F5344CB8AC3E}">
-        <p14:creationId xmlns:p14="http://schemas.microsoft.com/office/powerpoint/2010/main" val="791759789"/>
+        <p14:creationId xmlns:p14="http://schemas.microsoft.com/office/powerpoint/2010/main" val="2846876769"/>
       </p:ext>
     </p:extLst>
   </p:cSld>
@@ -560,13 +514,7 @@
       </p:grpSpPr>
       <p:sp>
         <p:nvSpPr>
-          <p:cNvPr id="2" name="Vertical Title 1">
-            <a:extLst>
-              <a:ext uri="{FF2B5EF4-FFF2-40B4-BE49-F238E27FC236}">
-                <a16:creationId xmlns:a16="http://schemas.microsoft.com/office/drawing/2014/main" id="{DFAF2469-931A-314D-87B5-4F637F4351EF}"/>
-              </a:ext>
-            </a:extLst>
-          </p:cNvPr>
+          <p:cNvPr id="2" name="Vertical Title 1"/>
           <p:cNvSpPr>
             <a:spLocks noGrp="1"/>
           </p:cNvSpPr>
@@ -576,8 +524,8 @@
         </p:nvSpPr>
         <p:spPr>
           <a:xfrm>
-            <a:off x="8724900" y="365125"/>
-            <a:ext cx="2628900" cy="5811838"/>
+            <a:off x="11633201" y="649111"/>
+            <a:ext cx="3505200" cy="10332156"/>
           </a:xfrm>
         </p:spPr>
         <p:txBody>
@@ -588,18 +536,13 @@
               <a:rPr lang="en-US"/>
               <a:t>Click to edit Master title style</a:t>
             </a:r>
-          </a:p>
-        </p:txBody>
-      </p:sp>
-      <p:sp>
-        <p:nvSpPr>
-          <p:cNvPr id="3" name="Vertical Text Placeholder 2">
-            <a:extLst>
-              <a:ext uri="{FF2B5EF4-FFF2-40B4-BE49-F238E27FC236}">
-                <a16:creationId xmlns:a16="http://schemas.microsoft.com/office/drawing/2014/main" id="{4EFF0AE5-224B-6F4F-9170-9796B15B09F8}"/>
-              </a:ext>
-            </a:extLst>
-          </p:cNvPr>
+            <a:endParaRPr lang="en-US" dirty="0"/>
+          </a:p>
+        </p:txBody>
+      </p:sp>
+      <p:sp>
+        <p:nvSpPr>
+          <p:cNvPr id="3" name="Vertical Text Placeholder 2"/>
           <p:cNvSpPr>
             <a:spLocks noGrp="1"/>
           </p:cNvSpPr>
@@ -609,8 +552,8 @@
         </p:nvSpPr>
         <p:spPr>
           <a:xfrm>
-            <a:off x="838200" y="365125"/>
-            <a:ext cx="7734300" cy="5811838"/>
+            <a:off x="1117601" y="649111"/>
+            <a:ext cx="10312400" cy="10332156"/>
           </a:xfrm>
         </p:spPr>
         <p:txBody>
@@ -650,18 +593,13 @@
               <a:rPr lang="en-US"/>
               <a:t>Fifth level</a:t>
             </a:r>
-          </a:p>
-        </p:txBody>
-      </p:sp>
-      <p:sp>
-        <p:nvSpPr>
-          <p:cNvPr id="4" name="Date Placeholder 3">
-            <a:extLst>
-              <a:ext uri="{FF2B5EF4-FFF2-40B4-BE49-F238E27FC236}">
-                <a16:creationId xmlns:a16="http://schemas.microsoft.com/office/drawing/2014/main" id="{ED879771-E084-5645-88DA-45BD36B8F39C}"/>
-              </a:ext>
-            </a:extLst>
-          </p:cNvPr>
+            <a:endParaRPr lang="en-US" dirty="0"/>
+          </a:p>
+        </p:txBody>
+      </p:sp>
+      <p:sp>
+        <p:nvSpPr>
+          <p:cNvPr id="4" name="Date Placeholder 3"/>
           <p:cNvSpPr>
             <a:spLocks noGrp="1"/>
           </p:cNvSpPr>
@@ -676,7 +614,7 @@
           <a:p>
             <a:fld id="{7E12C33F-D2B0-4D4A-8E7C-165AB81C62D6}" type="datetimeFigureOut">
               <a:rPr lang="en-US" smtClean="0"/>
-              <a:t>12/3/21</a:t>
+              <a:t>12/10/21</a:t>
             </a:fld>
             <a:endParaRPr lang="en-US"/>
           </a:p>
@@ -684,13 +622,7 @@
       </p:sp>
       <p:sp>
         <p:nvSpPr>
-          <p:cNvPr id="5" name="Footer Placeholder 4">
-            <a:extLst>
-              <a:ext uri="{FF2B5EF4-FFF2-40B4-BE49-F238E27FC236}">
-                <a16:creationId xmlns:a16="http://schemas.microsoft.com/office/drawing/2014/main" id="{57D5530D-2F9D-1A4F-B661-F2921B6218B1}"/>
-              </a:ext>
-            </a:extLst>
-          </p:cNvPr>
+          <p:cNvPr id="5" name="Footer Placeholder 4"/>
           <p:cNvSpPr>
             <a:spLocks noGrp="1"/>
           </p:cNvSpPr>
@@ -709,13 +641,7 @@
       </p:sp>
       <p:sp>
         <p:nvSpPr>
-          <p:cNvPr id="6" name="Slide Number Placeholder 5">
-            <a:extLst>
-              <a:ext uri="{FF2B5EF4-FFF2-40B4-BE49-F238E27FC236}">
-                <a16:creationId xmlns:a16="http://schemas.microsoft.com/office/drawing/2014/main" id="{491250D9-D43C-C640-A99C-D03381EB7110}"/>
-              </a:ext>
-            </a:extLst>
-          </p:cNvPr>
+          <p:cNvPr id="6" name="Slide Number Placeholder 5"/>
           <p:cNvSpPr>
             <a:spLocks noGrp="1"/>
           </p:cNvSpPr>
@@ -739,7 +665,7 @@
     </p:spTree>
     <p:extLst>
       <p:ext uri="{BB962C8B-B14F-4D97-AF65-F5344CB8AC3E}">
-        <p14:creationId xmlns:p14="http://schemas.microsoft.com/office/powerpoint/2010/main" val="1849246483"/>
+        <p14:creationId xmlns:p14="http://schemas.microsoft.com/office/powerpoint/2010/main" val="2833026385"/>
       </p:ext>
     </p:extLst>
   </p:cSld>
@@ -768,13 +694,7 @@
       </p:grpSpPr>
       <p:sp>
         <p:nvSpPr>
-          <p:cNvPr id="2" name="Title 1">
-            <a:extLst>
-              <a:ext uri="{FF2B5EF4-FFF2-40B4-BE49-F238E27FC236}">
-                <a16:creationId xmlns:a16="http://schemas.microsoft.com/office/drawing/2014/main" id="{0EDCC005-9DBC-1A4B-ABEC-3177A7C9CF1E}"/>
-              </a:ext>
-            </a:extLst>
-          </p:cNvPr>
+          <p:cNvPr id="2" name="Title 1"/>
           <p:cNvSpPr>
             <a:spLocks noGrp="1"/>
           </p:cNvSpPr>
@@ -791,18 +711,13 @@
               <a:rPr lang="en-US"/>
               <a:t>Click to edit Master title style</a:t>
             </a:r>
-          </a:p>
-        </p:txBody>
-      </p:sp>
-      <p:sp>
-        <p:nvSpPr>
-          <p:cNvPr id="3" name="Content Placeholder 2">
-            <a:extLst>
-              <a:ext uri="{FF2B5EF4-FFF2-40B4-BE49-F238E27FC236}">
-                <a16:creationId xmlns:a16="http://schemas.microsoft.com/office/drawing/2014/main" id="{4D198BA5-0166-094F-B1E6-34EB61ABF647}"/>
-              </a:ext>
-            </a:extLst>
-          </p:cNvPr>
+            <a:endParaRPr lang="en-US" dirty="0"/>
+          </a:p>
+        </p:txBody>
+      </p:sp>
+      <p:sp>
+        <p:nvSpPr>
+          <p:cNvPr id="3" name="Content Placeholder 2"/>
           <p:cNvSpPr>
             <a:spLocks noGrp="1"/>
           </p:cNvSpPr>
@@ -848,18 +763,13 @@
               <a:rPr lang="en-US"/>
               <a:t>Fifth level</a:t>
             </a:r>
-          </a:p>
-        </p:txBody>
-      </p:sp>
-      <p:sp>
-        <p:nvSpPr>
-          <p:cNvPr id="4" name="Date Placeholder 3">
-            <a:extLst>
-              <a:ext uri="{FF2B5EF4-FFF2-40B4-BE49-F238E27FC236}">
-                <a16:creationId xmlns:a16="http://schemas.microsoft.com/office/drawing/2014/main" id="{57A0F8F7-F3EA-BE43-8441-93F96CA1B700}"/>
-              </a:ext>
-            </a:extLst>
-          </p:cNvPr>
+            <a:endParaRPr lang="en-US" dirty="0"/>
+          </a:p>
+        </p:txBody>
+      </p:sp>
+      <p:sp>
+        <p:nvSpPr>
+          <p:cNvPr id="4" name="Date Placeholder 3"/>
           <p:cNvSpPr>
             <a:spLocks noGrp="1"/>
           </p:cNvSpPr>
@@ -874,7 +784,7 @@
           <a:p>
             <a:fld id="{7E12C33F-D2B0-4D4A-8E7C-165AB81C62D6}" type="datetimeFigureOut">
               <a:rPr lang="en-US" smtClean="0"/>
-              <a:t>12/3/21</a:t>
+              <a:t>12/10/21</a:t>
             </a:fld>
             <a:endParaRPr lang="en-US"/>
           </a:p>
@@ -882,13 +792,7 @@
       </p:sp>
       <p:sp>
         <p:nvSpPr>
-          <p:cNvPr id="5" name="Footer Placeholder 4">
-            <a:extLst>
-              <a:ext uri="{FF2B5EF4-FFF2-40B4-BE49-F238E27FC236}">
-                <a16:creationId xmlns:a16="http://schemas.microsoft.com/office/drawing/2014/main" id="{D269C54E-FBAB-3341-9D84-522D2D0F630A}"/>
-              </a:ext>
-            </a:extLst>
-          </p:cNvPr>
+          <p:cNvPr id="5" name="Footer Placeholder 4"/>
           <p:cNvSpPr>
             <a:spLocks noGrp="1"/>
           </p:cNvSpPr>
@@ -907,13 +811,7 @@
       </p:sp>
       <p:sp>
         <p:nvSpPr>
-          <p:cNvPr id="6" name="Slide Number Placeholder 5">
-            <a:extLst>
-              <a:ext uri="{FF2B5EF4-FFF2-40B4-BE49-F238E27FC236}">
-                <a16:creationId xmlns:a16="http://schemas.microsoft.com/office/drawing/2014/main" id="{FA6663EB-FFED-AD46-B73F-D2197887B200}"/>
-              </a:ext>
-            </a:extLst>
-          </p:cNvPr>
+          <p:cNvPr id="6" name="Slide Number Placeholder 5"/>
           <p:cNvSpPr>
             <a:spLocks noGrp="1"/>
           </p:cNvSpPr>
@@ -937,7 +835,7 @@
     </p:spTree>
     <p:extLst>
       <p:ext uri="{BB962C8B-B14F-4D97-AF65-F5344CB8AC3E}">
-        <p14:creationId xmlns:p14="http://schemas.microsoft.com/office/powerpoint/2010/main" val="56047890"/>
+        <p14:creationId xmlns:p14="http://schemas.microsoft.com/office/powerpoint/2010/main" val="1008421790"/>
       </p:ext>
     </p:extLst>
   </p:cSld>
@@ -966,13 +864,7 @@
       </p:grpSpPr>
       <p:sp>
         <p:nvSpPr>
-          <p:cNvPr id="2" name="Title 1">
-            <a:extLst>
-              <a:ext uri="{FF2B5EF4-FFF2-40B4-BE49-F238E27FC236}">
-                <a16:creationId xmlns:a16="http://schemas.microsoft.com/office/drawing/2014/main" id="{4546C0CB-4E84-2441-90E1-A5D24F83CE08}"/>
-              </a:ext>
-            </a:extLst>
-          </p:cNvPr>
+          <p:cNvPr id="2" name="Title 1"/>
           <p:cNvSpPr>
             <a:spLocks noGrp="1"/>
           </p:cNvSpPr>
@@ -982,15 +874,15 @@
         </p:nvSpPr>
         <p:spPr>
           <a:xfrm>
-            <a:off x="831850" y="1709738"/>
-            <a:ext cx="10515600" cy="2852737"/>
+            <a:off x="1109134" y="3039537"/>
+            <a:ext cx="14020800" cy="5071532"/>
           </a:xfrm>
         </p:spPr>
         <p:txBody>
           <a:bodyPr anchor="b"/>
           <a:lstStyle>
             <a:lvl1pPr>
-              <a:defRPr sz="6000"/>
+              <a:defRPr sz="10667"/>
             </a:lvl1pPr>
           </a:lstStyle>
           <a:p>
@@ -998,18 +890,13 @@
               <a:rPr lang="en-US"/>
               <a:t>Click to edit Master title style</a:t>
             </a:r>
-          </a:p>
-        </p:txBody>
-      </p:sp>
-      <p:sp>
-        <p:nvSpPr>
-          <p:cNvPr id="3" name="Text Placeholder 2">
-            <a:extLst>
-              <a:ext uri="{FF2B5EF4-FFF2-40B4-BE49-F238E27FC236}">
-                <a16:creationId xmlns:a16="http://schemas.microsoft.com/office/drawing/2014/main" id="{088FA4C6-52F4-E843-8046-9610F1A15C98}"/>
-              </a:ext>
-            </a:extLst>
-          </p:cNvPr>
+            <a:endParaRPr lang="en-US" dirty="0"/>
+          </a:p>
+        </p:txBody>
+      </p:sp>
+      <p:sp>
+        <p:nvSpPr>
+          <p:cNvPr id="3" name="Text Placeholder 2"/>
           <p:cNvSpPr>
             <a:spLocks noGrp="1"/>
           </p:cNvSpPr>
@@ -1019,8 +906,8 @@
         </p:nvSpPr>
         <p:spPr>
           <a:xfrm>
-            <a:off x="831850" y="4589463"/>
-            <a:ext cx="10515600" cy="1500187"/>
+            <a:off x="1109134" y="8159048"/>
+            <a:ext cx="14020800" cy="2666999"/>
           </a:xfrm>
         </p:spPr>
         <p:txBody>
@@ -1028,17 +915,15 @@
           <a:lstStyle>
             <a:lvl1pPr marL="0" indent="0">
               <a:buNone/>
-              <a:defRPr sz="2400">
+              <a:defRPr sz="4267">
                 <a:solidFill>
-                  <a:schemeClr val="tx1">
-                    <a:tint val="75000"/>
-                  </a:schemeClr>
+                  <a:schemeClr val="tx1"/>
                 </a:solidFill>
               </a:defRPr>
             </a:lvl1pPr>
-            <a:lvl2pPr marL="457200" indent="0">
-              <a:buNone/>
-              <a:defRPr sz="2000">
+            <a:lvl2pPr marL="812810" indent="0">
+              <a:buNone/>
+              <a:defRPr sz="3556">
                 <a:solidFill>
                   <a:schemeClr val="tx1">
                     <a:tint val="75000"/>
@@ -1046,9 +931,9 @@
                 </a:solidFill>
               </a:defRPr>
             </a:lvl2pPr>
-            <a:lvl3pPr marL="914400" indent="0">
-              <a:buNone/>
-              <a:defRPr sz="1800">
+            <a:lvl3pPr marL="1625620" indent="0">
+              <a:buNone/>
+              <a:defRPr sz="3200">
                 <a:solidFill>
                   <a:schemeClr val="tx1">
                     <a:tint val="75000"/>
@@ -1056,9 +941,9 @@
                 </a:solidFill>
               </a:defRPr>
             </a:lvl3pPr>
-            <a:lvl4pPr marL="1371600" indent="0">
-              <a:buNone/>
-              <a:defRPr sz="1600">
+            <a:lvl4pPr marL="2438430" indent="0">
+              <a:buNone/>
+              <a:defRPr sz="2844">
                 <a:solidFill>
                   <a:schemeClr val="tx1">
                     <a:tint val="75000"/>
@@ -1066,9 +951,9 @@
                 </a:solidFill>
               </a:defRPr>
             </a:lvl4pPr>
-            <a:lvl5pPr marL="1828800" indent="0">
-              <a:buNone/>
-              <a:defRPr sz="1600">
+            <a:lvl5pPr marL="3251241" indent="0">
+              <a:buNone/>
+              <a:defRPr sz="2844">
                 <a:solidFill>
                   <a:schemeClr val="tx1">
                     <a:tint val="75000"/>
@@ -1076,9 +961,9 @@
                 </a:solidFill>
               </a:defRPr>
             </a:lvl5pPr>
-            <a:lvl6pPr marL="2286000" indent="0">
-              <a:buNone/>
-              <a:defRPr sz="1600">
+            <a:lvl6pPr marL="4064051" indent="0">
+              <a:buNone/>
+              <a:defRPr sz="2844">
                 <a:solidFill>
                   <a:schemeClr val="tx1">
                     <a:tint val="75000"/>
@@ -1086,9 +971,9 @@
                 </a:solidFill>
               </a:defRPr>
             </a:lvl6pPr>
-            <a:lvl7pPr marL="2743200" indent="0">
-              <a:buNone/>
-              <a:defRPr sz="1600">
+            <a:lvl7pPr marL="4876861" indent="0">
+              <a:buNone/>
+              <a:defRPr sz="2844">
                 <a:solidFill>
                   <a:schemeClr val="tx1">
                     <a:tint val="75000"/>
@@ -1096,9 +981,9 @@
                 </a:solidFill>
               </a:defRPr>
             </a:lvl7pPr>
-            <a:lvl8pPr marL="3200400" indent="0">
-              <a:buNone/>
-              <a:defRPr sz="1600">
+            <a:lvl8pPr marL="5689671" indent="0">
+              <a:buNone/>
+              <a:defRPr sz="2844">
                 <a:solidFill>
                   <a:schemeClr val="tx1">
                     <a:tint val="75000"/>
@@ -1106,9 +991,9 @@
                 </a:solidFill>
               </a:defRPr>
             </a:lvl8pPr>
-            <a:lvl9pPr marL="3657600" indent="0">
-              <a:buNone/>
-              <a:defRPr sz="1600">
+            <a:lvl9pPr marL="6502481" indent="0">
+              <a:buNone/>
+              <a:defRPr sz="2844">
                 <a:solidFill>
                   <a:schemeClr val="tx1">
                     <a:tint val="75000"/>
@@ -1128,13 +1013,7 @@
       </p:sp>
       <p:sp>
         <p:nvSpPr>
-          <p:cNvPr id="4" name="Date Placeholder 3">
-            <a:extLst>
-              <a:ext uri="{FF2B5EF4-FFF2-40B4-BE49-F238E27FC236}">
-                <a16:creationId xmlns:a16="http://schemas.microsoft.com/office/drawing/2014/main" id="{6AFC07EB-011D-934F-9882-8D7DDF047D0A}"/>
-              </a:ext>
-            </a:extLst>
-          </p:cNvPr>
+          <p:cNvPr id="4" name="Date Placeholder 3"/>
           <p:cNvSpPr>
             <a:spLocks noGrp="1"/>
           </p:cNvSpPr>
@@ -1149,7 +1028,7 @@
           <a:p>
             <a:fld id="{7E12C33F-D2B0-4D4A-8E7C-165AB81C62D6}" type="datetimeFigureOut">
               <a:rPr lang="en-US" smtClean="0"/>
-              <a:t>12/3/21</a:t>
+              <a:t>12/10/21</a:t>
             </a:fld>
             <a:endParaRPr lang="en-US"/>
           </a:p>
@@ -1157,13 +1036,7 @@
       </p:sp>
       <p:sp>
         <p:nvSpPr>
-          <p:cNvPr id="5" name="Footer Placeholder 4">
-            <a:extLst>
-              <a:ext uri="{FF2B5EF4-FFF2-40B4-BE49-F238E27FC236}">
-                <a16:creationId xmlns:a16="http://schemas.microsoft.com/office/drawing/2014/main" id="{6084C31F-0058-1249-958B-B0BCC924840D}"/>
-              </a:ext>
-            </a:extLst>
-          </p:cNvPr>
+          <p:cNvPr id="5" name="Footer Placeholder 4"/>
           <p:cNvSpPr>
             <a:spLocks noGrp="1"/>
           </p:cNvSpPr>
@@ -1182,13 +1055,7 @@
       </p:sp>
       <p:sp>
         <p:nvSpPr>
-          <p:cNvPr id="6" name="Slide Number Placeholder 5">
-            <a:extLst>
-              <a:ext uri="{FF2B5EF4-FFF2-40B4-BE49-F238E27FC236}">
-                <a16:creationId xmlns:a16="http://schemas.microsoft.com/office/drawing/2014/main" id="{89878EB0-D345-A34E-B7C3-B3A585422056}"/>
-              </a:ext>
-            </a:extLst>
-          </p:cNvPr>
+          <p:cNvPr id="6" name="Slide Number Placeholder 5"/>
           <p:cNvSpPr>
             <a:spLocks noGrp="1"/>
           </p:cNvSpPr>
@@ -1212,7 +1079,7 @@
     </p:spTree>
     <p:extLst>
       <p:ext uri="{BB962C8B-B14F-4D97-AF65-F5344CB8AC3E}">
-        <p14:creationId xmlns:p14="http://schemas.microsoft.com/office/powerpoint/2010/main" val="180985949"/>
+        <p14:creationId xmlns:p14="http://schemas.microsoft.com/office/powerpoint/2010/main" val="446630992"/>
       </p:ext>
     </p:extLst>
   </p:cSld>
@@ -1241,13 +1108,7 @@
       </p:grpSpPr>
       <p:sp>
         <p:nvSpPr>
-          <p:cNvPr id="2" name="Title 1">
-            <a:extLst>
-              <a:ext uri="{FF2B5EF4-FFF2-40B4-BE49-F238E27FC236}">
-                <a16:creationId xmlns:a16="http://schemas.microsoft.com/office/drawing/2014/main" id="{A2204851-7651-594D-8B03-022E51E13FF3}"/>
-              </a:ext>
-            </a:extLst>
-          </p:cNvPr>
+          <p:cNvPr id="2" name="Title 1"/>
           <p:cNvSpPr>
             <a:spLocks noGrp="1"/>
           </p:cNvSpPr>
@@ -1264,18 +1125,13 @@
               <a:rPr lang="en-US"/>
               <a:t>Click to edit Master title style</a:t>
             </a:r>
-          </a:p>
-        </p:txBody>
-      </p:sp>
-      <p:sp>
-        <p:nvSpPr>
-          <p:cNvPr id="3" name="Content Placeholder 2">
-            <a:extLst>
-              <a:ext uri="{FF2B5EF4-FFF2-40B4-BE49-F238E27FC236}">
-                <a16:creationId xmlns:a16="http://schemas.microsoft.com/office/drawing/2014/main" id="{6C8B00A8-BAB9-F744-8D2B-9FE1AA7F5D19}"/>
-              </a:ext>
-            </a:extLst>
-          </p:cNvPr>
+            <a:endParaRPr lang="en-US" dirty="0"/>
+          </a:p>
+        </p:txBody>
+      </p:sp>
+      <p:sp>
+        <p:nvSpPr>
+          <p:cNvPr id="3" name="Content Placeholder 2"/>
           <p:cNvSpPr>
             <a:spLocks noGrp="1"/>
           </p:cNvSpPr>
@@ -1285,8 +1141,8 @@
         </p:nvSpPr>
         <p:spPr>
           <a:xfrm>
-            <a:off x="838200" y="1825625"/>
-            <a:ext cx="5181600" cy="4351338"/>
+            <a:off x="1117600" y="3245556"/>
+            <a:ext cx="6908800" cy="7735712"/>
           </a:xfrm>
         </p:spPr>
         <p:txBody>
@@ -1326,18 +1182,13 @@
               <a:rPr lang="en-US"/>
               <a:t>Fifth level</a:t>
             </a:r>
-          </a:p>
-        </p:txBody>
-      </p:sp>
-      <p:sp>
-        <p:nvSpPr>
-          <p:cNvPr id="4" name="Content Placeholder 3">
-            <a:extLst>
-              <a:ext uri="{FF2B5EF4-FFF2-40B4-BE49-F238E27FC236}">
-                <a16:creationId xmlns:a16="http://schemas.microsoft.com/office/drawing/2014/main" id="{5B57FCE7-6BE2-C44B-BDA2-CDB8E0F42994}"/>
-              </a:ext>
-            </a:extLst>
-          </p:cNvPr>
+            <a:endParaRPr lang="en-US" dirty="0"/>
+          </a:p>
+        </p:txBody>
+      </p:sp>
+      <p:sp>
+        <p:nvSpPr>
+          <p:cNvPr id="4" name="Content Placeholder 3"/>
           <p:cNvSpPr>
             <a:spLocks noGrp="1"/>
           </p:cNvSpPr>
@@ -1347,8 +1198,8 @@
         </p:nvSpPr>
         <p:spPr>
           <a:xfrm>
-            <a:off x="6172200" y="1825625"/>
-            <a:ext cx="5181600" cy="4351338"/>
+            <a:off x="8229600" y="3245556"/>
+            <a:ext cx="6908800" cy="7735712"/>
           </a:xfrm>
         </p:spPr>
         <p:txBody>
@@ -1388,18 +1239,13 @@
               <a:rPr lang="en-US"/>
               <a:t>Fifth level</a:t>
             </a:r>
-          </a:p>
-        </p:txBody>
-      </p:sp>
-      <p:sp>
-        <p:nvSpPr>
-          <p:cNvPr id="5" name="Date Placeholder 4">
-            <a:extLst>
-              <a:ext uri="{FF2B5EF4-FFF2-40B4-BE49-F238E27FC236}">
-                <a16:creationId xmlns:a16="http://schemas.microsoft.com/office/drawing/2014/main" id="{DFB418B4-EEAF-A543-B154-4A641AF480AB}"/>
-              </a:ext>
-            </a:extLst>
-          </p:cNvPr>
+            <a:endParaRPr lang="en-US" dirty="0"/>
+          </a:p>
+        </p:txBody>
+      </p:sp>
+      <p:sp>
+        <p:nvSpPr>
+          <p:cNvPr id="5" name="Date Placeholder 4"/>
           <p:cNvSpPr>
             <a:spLocks noGrp="1"/>
           </p:cNvSpPr>
@@ -1414,7 +1260,7 @@
           <a:p>
             <a:fld id="{7E12C33F-D2B0-4D4A-8E7C-165AB81C62D6}" type="datetimeFigureOut">
               <a:rPr lang="en-US" smtClean="0"/>
-              <a:t>12/3/21</a:t>
+              <a:t>12/10/21</a:t>
             </a:fld>
             <a:endParaRPr lang="en-US"/>
           </a:p>
@@ -1422,13 +1268,7 @@
       </p:sp>
       <p:sp>
         <p:nvSpPr>
-          <p:cNvPr id="6" name="Footer Placeholder 5">
-            <a:extLst>
-              <a:ext uri="{FF2B5EF4-FFF2-40B4-BE49-F238E27FC236}">
-                <a16:creationId xmlns:a16="http://schemas.microsoft.com/office/drawing/2014/main" id="{68F43E69-8977-EB40-9B54-07070D662449}"/>
-              </a:ext>
-            </a:extLst>
-          </p:cNvPr>
+          <p:cNvPr id="6" name="Footer Placeholder 5"/>
           <p:cNvSpPr>
             <a:spLocks noGrp="1"/>
           </p:cNvSpPr>
@@ -1447,13 +1287,7 @@
       </p:sp>
       <p:sp>
         <p:nvSpPr>
-          <p:cNvPr id="7" name="Slide Number Placeholder 6">
-            <a:extLst>
-              <a:ext uri="{FF2B5EF4-FFF2-40B4-BE49-F238E27FC236}">
-                <a16:creationId xmlns:a16="http://schemas.microsoft.com/office/drawing/2014/main" id="{4BB0AB9E-45C6-294D-A46F-73132E2CC8E0}"/>
-              </a:ext>
-            </a:extLst>
-          </p:cNvPr>
+          <p:cNvPr id="7" name="Slide Number Placeholder 6"/>
           <p:cNvSpPr>
             <a:spLocks noGrp="1"/>
           </p:cNvSpPr>
@@ -1477,7 +1311,7 @@
     </p:spTree>
     <p:extLst>
       <p:ext uri="{BB962C8B-B14F-4D97-AF65-F5344CB8AC3E}">
-        <p14:creationId xmlns:p14="http://schemas.microsoft.com/office/powerpoint/2010/main" val="2725569005"/>
+        <p14:creationId xmlns:p14="http://schemas.microsoft.com/office/powerpoint/2010/main" val="3005389304"/>
       </p:ext>
     </p:extLst>
   </p:cSld>
@@ -1506,13 +1340,7 @@
       </p:grpSpPr>
       <p:sp>
         <p:nvSpPr>
-          <p:cNvPr id="2" name="Title 1">
-            <a:extLst>
-              <a:ext uri="{FF2B5EF4-FFF2-40B4-BE49-F238E27FC236}">
-                <a16:creationId xmlns:a16="http://schemas.microsoft.com/office/drawing/2014/main" id="{05ED9075-7763-1847-B3DF-3275B4C1AADE}"/>
-              </a:ext>
-            </a:extLst>
-          </p:cNvPr>
+          <p:cNvPr id="2" name="Title 1"/>
           <p:cNvSpPr>
             <a:spLocks noGrp="1"/>
           </p:cNvSpPr>
@@ -1522,8 +1350,8 @@
         </p:nvSpPr>
         <p:spPr>
           <a:xfrm>
-            <a:off x="839788" y="365125"/>
-            <a:ext cx="10515600" cy="1325563"/>
+            <a:off x="1119717" y="649114"/>
+            <a:ext cx="14020800" cy="2356556"/>
           </a:xfrm>
         </p:spPr>
         <p:txBody>
@@ -1534,18 +1362,13 @@
               <a:rPr lang="en-US"/>
               <a:t>Click to edit Master title style</a:t>
             </a:r>
-          </a:p>
-        </p:txBody>
-      </p:sp>
-      <p:sp>
-        <p:nvSpPr>
-          <p:cNvPr id="3" name="Text Placeholder 2">
-            <a:extLst>
-              <a:ext uri="{FF2B5EF4-FFF2-40B4-BE49-F238E27FC236}">
-                <a16:creationId xmlns:a16="http://schemas.microsoft.com/office/drawing/2014/main" id="{3D1DC3F3-4D7B-A94A-9169-CE3810C89564}"/>
-              </a:ext>
-            </a:extLst>
-          </p:cNvPr>
+            <a:endParaRPr lang="en-US" dirty="0"/>
+          </a:p>
+        </p:txBody>
+      </p:sp>
+      <p:sp>
+        <p:nvSpPr>
+          <p:cNvPr id="3" name="Text Placeholder 2"/>
           <p:cNvSpPr>
             <a:spLocks noGrp="1"/>
           </p:cNvSpPr>
@@ -1555,8 +1378,8 @@
         </p:nvSpPr>
         <p:spPr>
           <a:xfrm>
-            <a:off x="839788" y="1681163"/>
-            <a:ext cx="5157787" cy="823912"/>
+            <a:off x="1119719" y="2988734"/>
+            <a:ext cx="6877049" cy="1464732"/>
           </a:xfrm>
         </p:spPr>
         <p:txBody>
@@ -1564,39 +1387,39 @@
           <a:lstStyle>
             <a:lvl1pPr marL="0" indent="0">
               <a:buNone/>
-              <a:defRPr sz="2400" b="1"/>
+              <a:defRPr sz="4267" b="1"/>
             </a:lvl1pPr>
-            <a:lvl2pPr marL="457200" indent="0">
-              <a:buNone/>
-              <a:defRPr sz="2000" b="1"/>
+            <a:lvl2pPr marL="812810" indent="0">
+              <a:buNone/>
+              <a:defRPr sz="3556" b="1"/>
             </a:lvl2pPr>
-            <a:lvl3pPr marL="914400" indent="0">
-              <a:buNone/>
-              <a:defRPr sz="1800" b="1"/>
+            <a:lvl3pPr marL="1625620" indent="0">
+              <a:buNone/>
+              <a:defRPr sz="3200" b="1"/>
             </a:lvl3pPr>
-            <a:lvl4pPr marL="1371600" indent="0">
-              <a:buNone/>
-              <a:defRPr sz="1600" b="1"/>
+            <a:lvl4pPr marL="2438430" indent="0">
+              <a:buNone/>
+              <a:defRPr sz="2844" b="1"/>
             </a:lvl4pPr>
-            <a:lvl5pPr marL="1828800" indent="0">
-              <a:buNone/>
-              <a:defRPr sz="1600" b="1"/>
+            <a:lvl5pPr marL="3251241" indent="0">
+              <a:buNone/>
+              <a:defRPr sz="2844" b="1"/>
             </a:lvl5pPr>
-            <a:lvl6pPr marL="2286000" indent="0">
-              <a:buNone/>
-              <a:defRPr sz="1600" b="1"/>
+            <a:lvl6pPr marL="4064051" indent="0">
+              <a:buNone/>
+              <a:defRPr sz="2844" b="1"/>
             </a:lvl6pPr>
-            <a:lvl7pPr marL="2743200" indent="0">
-              <a:buNone/>
-              <a:defRPr sz="1600" b="1"/>
+            <a:lvl7pPr marL="4876861" indent="0">
+              <a:buNone/>
+              <a:defRPr sz="2844" b="1"/>
             </a:lvl7pPr>
-            <a:lvl8pPr marL="3200400" indent="0">
-              <a:buNone/>
-              <a:defRPr sz="1600" b="1"/>
+            <a:lvl8pPr marL="5689671" indent="0">
+              <a:buNone/>
+              <a:defRPr sz="2844" b="1"/>
             </a:lvl8pPr>
-            <a:lvl9pPr marL="3657600" indent="0">
-              <a:buNone/>
-              <a:defRPr sz="1600" b="1"/>
+            <a:lvl9pPr marL="6502481" indent="0">
+              <a:buNone/>
+              <a:defRPr sz="2844" b="1"/>
             </a:lvl9pPr>
           </a:lstStyle>
           <a:p>
@@ -1610,13 +1433,7 @@
       </p:sp>
       <p:sp>
         <p:nvSpPr>
-          <p:cNvPr id="4" name="Content Placeholder 3">
-            <a:extLst>
-              <a:ext uri="{FF2B5EF4-FFF2-40B4-BE49-F238E27FC236}">
-                <a16:creationId xmlns:a16="http://schemas.microsoft.com/office/drawing/2014/main" id="{2D938C08-6E3C-1049-BAA2-5649690B53A8}"/>
-              </a:ext>
-            </a:extLst>
-          </p:cNvPr>
+          <p:cNvPr id="4" name="Content Placeholder 3"/>
           <p:cNvSpPr>
             <a:spLocks noGrp="1"/>
           </p:cNvSpPr>
@@ -1626,8 +1443,8 @@
         </p:nvSpPr>
         <p:spPr>
           <a:xfrm>
-            <a:off x="839788" y="2505075"/>
-            <a:ext cx="5157787" cy="3684588"/>
+            <a:off x="1119719" y="4453467"/>
+            <a:ext cx="6877049" cy="6550379"/>
           </a:xfrm>
         </p:spPr>
         <p:txBody>
@@ -1667,18 +1484,13 @@
               <a:rPr lang="en-US"/>
               <a:t>Fifth level</a:t>
             </a:r>
-          </a:p>
-        </p:txBody>
-      </p:sp>
-      <p:sp>
-        <p:nvSpPr>
-          <p:cNvPr id="5" name="Text Placeholder 4">
-            <a:extLst>
-              <a:ext uri="{FF2B5EF4-FFF2-40B4-BE49-F238E27FC236}">
-                <a16:creationId xmlns:a16="http://schemas.microsoft.com/office/drawing/2014/main" id="{5432B7B9-FDBB-C340-A638-1E92C66C515C}"/>
-              </a:ext>
-            </a:extLst>
-          </p:cNvPr>
+            <a:endParaRPr lang="en-US" dirty="0"/>
+          </a:p>
+        </p:txBody>
+      </p:sp>
+      <p:sp>
+        <p:nvSpPr>
+          <p:cNvPr id="5" name="Text Placeholder 4"/>
           <p:cNvSpPr>
             <a:spLocks noGrp="1"/>
           </p:cNvSpPr>
@@ -1688,8 +1500,8 @@
         </p:nvSpPr>
         <p:spPr>
           <a:xfrm>
-            <a:off x="6172200" y="1681163"/>
-            <a:ext cx="5183188" cy="823912"/>
+            <a:off x="8229601" y="2988734"/>
+            <a:ext cx="6910917" cy="1464732"/>
           </a:xfrm>
         </p:spPr>
         <p:txBody>
@@ -1697,39 +1509,39 @@
           <a:lstStyle>
             <a:lvl1pPr marL="0" indent="0">
               <a:buNone/>
-              <a:defRPr sz="2400" b="1"/>
+              <a:defRPr sz="4267" b="1"/>
             </a:lvl1pPr>
-            <a:lvl2pPr marL="457200" indent="0">
-              <a:buNone/>
-              <a:defRPr sz="2000" b="1"/>
+            <a:lvl2pPr marL="812810" indent="0">
+              <a:buNone/>
+              <a:defRPr sz="3556" b="1"/>
             </a:lvl2pPr>
-            <a:lvl3pPr marL="914400" indent="0">
-              <a:buNone/>
-              <a:defRPr sz="1800" b="1"/>
+            <a:lvl3pPr marL="1625620" indent="0">
+              <a:buNone/>
+              <a:defRPr sz="3200" b="1"/>
             </a:lvl3pPr>
-            <a:lvl4pPr marL="1371600" indent="0">
-              <a:buNone/>
-              <a:defRPr sz="1600" b="1"/>
+            <a:lvl4pPr marL="2438430" indent="0">
+              <a:buNone/>
+              <a:defRPr sz="2844" b="1"/>
             </a:lvl4pPr>
-            <a:lvl5pPr marL="1828800" indent="0">
-              <a:buNone/>
-              <a:defRPr sz="1600" b="1"/>
+            <a:lvl5pPr marL="3251241" indent="0">
+              <a:buNone/>
+              <a:defRPr sz="2844" b="1"/>
             </a:lvl5pPr>
-            <a:lvl6pPr marL="2286000" indent="0">
-              <a:buNone/>
-              <a:defRPr sz="1600" b="1"/>
+            <a:lvl6pPr marL="4064051" indent="0">
+              <a:buNone/>
+              <a:defRPr sz="2844" b="1"/>
             </a:lvl6pPr>
-            <a:lvl7pPr marL="2743200" indent="0">
-              <a:buNone/>
-              <a:defRPr sz="1600" b="1"/>
+            <a:lvl7pPr marL="4876861" indent="0">
+              <a:buNone/>
+              <a:defRPr sz="2844" b="1"/>
             </a:lvl7pPr>
-            <a:lvl8pPr marL="3200400" indent="0">
-              <a:buNone/>
-              <a:defRPr sz="1600" b="1"/>
+            <a:lvl8pPr marL="5689671" indent="0">
+              <a:buNone/>
+              <a:defRPr sz="2844" b="1"/>
             </a:lvl8pPr>
-            <a:lvl9pPr marL="3657600" indent="0">
-              <a:buNone/>
-              <a:defRPr sz="1600" b="1"/>
+            <a:lvl9pPr marL="6502481" indent="0">
+              <a:buNone/>
+              <a:defRPr sz="2844" b="1"/>
             </a:lvl9pPr>
           </a:lstStyle>
           <a:p>
@@ -1743,13 +1555,7 @@
       </p:sp>
       <p:sp>
         <p:nvSpPr>
-          <p:cNvPr id="6" name="Content Placeholder 5">
-            <a:extLst>
-              <a:ext uri="{FF2B5EF4-FFF2-40B4-BE49-F238E27FC236}">
-                <a16:creationId xmlns:a16="http://schemas.microsoft.com/office/drawing/2014/main" id="{2213F7B0-E0D5-1F44-BA5D-DC8794F7A3B2}"/>
-              </a:ext>
-            </a:extLst>
-          </p:cNvPr>
+          <p:cNvPr id="6" name="Content Placeholder 5"/>
           <p:cNvSpPr>
             <a:spLocks noGrp="1"/>
           </p:cNvSpPr>
@@ -1759,8 +1565,8 @@
         </p:nvSpPr>
         <p:spPr>
           <a:xfrm>
-            <a:off x="6172200" y="2505075"/>
-            <a:ext cx="5183188" cy="3684588"/>
+            <a:off x="8229601" y="4453467"/>
+            <a:ext cx="6910917" cy="6550379"/>
           </a:xfrm>
         </p:spPr>
         <p:txBody>
@@ -1800,18 +1606,13 @@
               <a:rPr lang="en-US"/>
               <a:t>Fifth level</a:t>
             </a:r>
-          </a:p>
-        </p:txBody>
-      </p:sp>
-      <p:sp>
-        <p:nvSpPr>
-          <p:cNvPr id="7" name="Date Placeholder 6">
-            <a:extLst>
-              <a:ext uri="{FF2B5EF4-FFF2-40B4-BE49-F238E27FC236}">
-                <a16:creationId xmlns:a16="http://schemas.microsoft.com/office/drawing/2014/main" id="{EF4D4104-E8D7-D740-B392-69A7B2BC46EB}"/>
-              </a:ext>
-            </a:extLst>
-          </p:cNvPr>
+            <a:endParaRPr lang="en-US" dirty="0"/>
+          </a:p>
+        </p:txBody>
+      </p:sp>
+      <p:sp>
+        <p:nvSpPr>
+          <p:cNvPr id="7" name="Date Placeholder 6"/>
           <p:cNvSpPr>
             <a:spLocks noGrp="1"/>
           </p:cNvSpPr>
@@ -1826,7 +1627,7 @@
           <a:p>
             <a:fld id="{7E12C33F-D2B0-4D4A-8E7C-165AB81C62D6}" type="datetimeFigureOut">
               <a:rPr lang="en-US" smtClean="0"/>
-              <a:t>12/3/21</a:t>
+              <a:t>12/10/21</a:t>
             </a:fld>
             <a:endParaRPr lang="en-US"/>
           </a:p>
@@ -1834,13 +1635,7 @@
       </p:sp>
       <p:sp>
         <p:nvSpPr>
-          <p:cNvPr id="8" name="Footer Placeholder 7">
-            <a:extLst>
-              <a:ext uri="{FF2B5EF4-FFF2-40B4-BE49-F238E27FC236}">
-                <a16:creationId xmlns:a16="http://schemas.microsoft.com/office/drawing/2014/main" id="{A95B409F-F2A9-A847-825E-189C126713B8}"/>
-              </a:ext>
-            </a:extLst>
-          </p:cNvPr>
+          <p:cNvPr id="8" name="Footer Placeholder 7"/>
           <p:cNvSpPr>
             <a:spLocks noGrp="1"/>
           </p:cNvSpPr>
@@ -1859,13 +1654,7 @@
       </p:sp>
       <p:sp>
         <p:nvSpPr>
-          <p:cNvPr id="9" name="Slide Number Placeholder 8">
-            <a:extLst>
-              <a:ext uri="{FF2B5EF4-FFF2-40B4-BE49-F238E27FC236}">
-                <a16:creationId xmlns:a16="http://schemas.microsoft.com/office/drawing/2014/main" id="{9DC91048-D762-7B4D-912B-1FF24DEDFE1A}"/>
-              </a:ext>
-            </a:extLst>
-          </p:cNvPr>
+          <p:cNvPr id="9" name="Slide Number Placeholder 8"/>
           <p:cNvSpPr>
             <a:spLocks noGrp="1"/>
           </p:cNvSpPr>
@@ -1889,7 +1678,7 @@
     </p:spTree>
     <p:extLst>
       <p:ext uri="{BB962C8B-B14F-4D97-AF65-F5344CB8AC3E}">
-        <p14:creationId xmlns:p14="http://schemas.microsoft.com/office/powerpoint/2010/main" val="2640245611"/>
+        <p14:creationId xmlns:p14="http://schemas.microsoft.com/office/powerpoint/2010/main" val="925248688"/>
       </p:ext>
     </p:extLst>
   </p:cSld>
@@ -1918,13 +1707,7 @@
       </p:grpSpPr>
       <p:sp>
         <p:nvSpPr>
-          <p:cNvPr id="2" name="Title 1">
-            <a:extLst>
-              <a:ext uri="{FF2B5EF4-FFF2-40B4-BE49-F238E27FC236}">
-                <a16:creationId xmlns:a16="http://schemas.microsoft.com/office/drawing/2014/main" id="{B03164FB-CDCA-C34D-9F20-A77D54C08878}"/>
-              </a:ext>
-            </a:extLst>
-          </p:cNvPr>
+          <p:cNvPr id="2" name="Title 1"/>
           <p:cNvSpPr>
             <a:spLocks noGrp="1"/>
           </p:cNvSpPr>
@@ -1941,18 +1724,13 @@
               <a:rPr lang="en-US"/>
               <a:t>Click to edit Master title style</a:t>
             </a:r>
-          </a:p>
-        </p:txBody>
-      </p:sp>
-      <p:sp>
-        <p:nvSpPr>
-          <p:cNvPr id="3" name="Date Placeholder 2">
-            <a:extLst>
-              <a:ext uri="{FF2B5EF4-FFF2-40B4-BE49-F238E27FC236}">
-                <a16:creationId xmlns:a16="http://schemas.microsoft.com/office/drawing/2014/main" id="{129C721D-2398-2942-BA46-9C148D91BA0D}"/>
-              </a:ext>
-            </a:extLst>
-          </p:cNvPr>
+            <a:endParaRPr lang="en-US" dirty="0"/>
+          </a:p>
+        </p:txBody>
+      </p:sp>
+      <p:sp>
+        <p:nvSpPr>
+          <p:cNvPr id="3" name="Date Placeholder 2"/>
           <p:cNvSpPr>
             <a:spLocks noGrp="1"/>
           </p:cNvSpPr>
@@ -1967,7 +1745,7 @@
           <a:p>
             <a:fld id="{7E12C33F-D2B0-4D4A-8E7C-165AB81C62D6}" type="datetimeFigureOut">
               <a:rPr lang="en-US" smtClean="0"/>
-              <a:t>12/3/21</a:t>
+              <a:t>12/10/21</a:t>
             </a:fld>
             <a:endParaRPr lang="en-US"/>
           </a:p>
@@ -1975,13 +1753,7 @@
       </p:sp>
       <p:sp>
         <p:nvSpPr>
-          <p:cNvPr id="4" name="Footer Placeholder 3">
-            <a:extLst>
-              <a:ext uri="{FF2B5EF4-FFF2-40B4-BE49-F238E27FC236}">
-                <a16:creationId xmlns:a16="http://schemas.microsoft.com/office/drawing/2014/main" id="{9F351967-9A1E-8F46-89D2-CB34D4A81609}"/>
-              </a:ext>
-            </a:extLst>
-          </p:cNvPr>
+          <p:cNvPr id="4" name="Footer Placeholder 3"/>
           <p:cNvSpPr>
             <a:spLocks noGrp="1"/>
           </p:cNvSpPr>
@@ -2000,13 +1772,7 @@
       </p:sp>
       <p:sp>
         <p:nvSpPr>
-          <p:cNvPr id="5" name="Slide Number Placeholder 4">
-            <a:extLst>
-              <a:ext uri="{FF2B5EF4-FFF2-40B4-BE49-F238E27FC236}">
-                <a16:creationId xmlns:a16="http://schemas.microsoft.com/office/drawing/2014/main" id="{645D0833-1CEA-E84A-BCDC-D205BE988B8A}"/>
-              </a:ext>
-            </a:extLst>
-          </p:cNvPr>
+          <p:cNvPr id="5" name="Slide Number Placeholder 4"/>
           <p:cNvSpPr>
             <a:spLocks noGrp="1"/>
           </p:cNvSpPr>
@@ -2030,7 +1796,7 @@
     </p:spTree>
     <p:extLst>
       <p:ext uri="{BB962C8B-B14F-4D97-AF65-F5344CB8AC3E}">
-        <p14:creationId xmlns:p14="http://schemas.microsoft.com/office/powerpoint/2010/main" val="1418677292"/>
+        <p14:creationId xmlns:p14="http://schemas.microsoft.com/office/powerpoint/2010/main" val="204732643"/>
       </p:ext>
     </p:extLst>
   </p:cSld>
@@ -2059,13 +1825,7 @@
       </p:grpSpPr>
       <p:sp>
         <p:nvSpPr>
-          <p:cNvPr id="2" name="Date Placeholder 1">
-            <a:extLst>
-              <a:ext uri="{FF2B5EF4-FFF2-40B4-BE49-F238E27FC236}">
-                <a16:creationId xmlns:a16="http://schemas.microsoft.com/office/drawing/2014/main" id="{14F5812B-2808-C64B-9316-2166D28692F4}"/>
-              </a:ext>
-            </a:extLst>
-          </p:cNvPr>
+          <p:cNvPr id="2" name="Date Placeholder 1"/>
           <p:cNvSpPr>
             <a:spLocks noGrp="1"/>
           </p:cNvSpPr>
@@ -2080,7 +1840,7 @@
           <a:p>
             <a:fld id="{7E12C33F-D2B0-4D4A-8E7C-165AB81C62D6}" type="datetimeFigureOut">
               <a:rPr lang="en-US" smtClean="0"/>
-              <a:t>12/3/21</a:t>
+              <a:t>12/10/21</a:t>
             </a:fld>
             <a:endParaRPr lang="en-US"/>
           </a:p>
@@ -2088,13 +1848,7 @@
       </p:sp>
       <p:sp>
         <p:nvSpPr>
-          <p:cNvPr id="3" name="Footer Placeholder 2">
-            <a:extLst>
-              <a:ext uri="{FF2B5EF4-FFF2-40B4-BE49-F238E27FC236}">
-                <a16:creationId xmlns:a16="http://schemas.microsoft.com/office/drawing/2014/main" id="{06D5649C-1812-FB48-9D8F-845ECDF31025}"/>
-              </a:ext>
-            </a:extLst>
-          </p:cNvPr>
+          <p:cNvPr id="3" name="Footer Placeholder 2"/>
           <p:cNvSpPr>
             <a:spLocks noGrp="1"/>
           </p:cNvSpPr>
@@ -2113,13 +1867,7 @@
       </p:sp>
       <p:sp>
         <p:nvSpPr>
-          <p:cNvPr id="4" name="Slide Number Placeholder 3">
-            <a:extLst>
-              <a:ext uri="{FF2B5EF4-FFF2-40B4-BE49-F238E27FC236}">
-                <a16:creationId xmlns:a16="http://schemas.microsoft.com/office/drawing/2014/main" id="{144C1CD9-1169-2543-BE66-503BCA9B8BAC}"/>
-              </a:ext>
-            </a:extLst>
-          </p:cNvPr>
+          <p:cNvPr id="4" name="Slide Number Placeholder 3"/>
           <p:cNvSpPr>
             <a:spLocks noGrp="1"/>
           </p:cNvSpPr>
@@ -2143,7 +1891,7 @@
     </p:spTree>
     <p:extLst>
       <p:ext uri="{BB962C8B-B14F-4D97-AF65-F5344CB8AC3E}">
-        <p14:creationId xmlns:p14="http://schemas.microsoft.com/office/powerpoint/2010/main" val="1762160147"/>
+        <p14:creationId xmlns:p14="http://schemas.microsoft.com/office/powerpoint/2010/main" val="2274719199"/>
       </p:ext>
     </p:extLst>
   </p:cSld>
@@ -2172,13 +1920,7 @@
       </p:grpSpPr>
       <p:sp>
         <p:nvSpPr>
-          <p:cNvPr id="2" name="Title 1">
-            <a:extLst>
-              <a:ext uri="{FF2B5EF4-FFF2-40B4-BE49-F238E27FC236}">
-                <a16:creationId xmlns:a16="http://schemas.microsoft.com/office/drawing/2014/main" id="{03CBBAA1-3858-3D4D-86EA-20F12875EC23}"/>
-              </a:ext>
-            </a:extLst>
-          </p:cNvPr>
+          <p:cNvPr id="2" name="Title 1"/>
           <p:cNvSpPr>
             <a:spLocks noGrp="1"/>
           </p:cNvSpPr>
@@ -2188,15 +1930,15 @@
         </p:nvSpPr>
         <p:spPr>
           <a:xfrm>
-            <a:off x="839788" y="457200"/>
-            <a:ext cx="3932237" cy="1600200"/>
+            <a:off x="1119717" y="812800"/>
+            <a:ext cx="5242983" cy="2844800"/>
           </a:xfrm>
         </p:spPr>
         <p:txBody>
           <a:bodyPr anchor="b"/>
           <a:lstStyle>
             <a:lvl1pPr>
-              <a:defRPr sz="3200"/>
+              <a:defRPr sz="5689"/>
             </a:lvl1pPr>
           </a:lstStyle>
           <a:p>
@@ -2204,18 +1946,13 @@
               <a:rPr lang="en-US"/>
               <a:t>Click to edit Master title style</a:t>
             </a:r>
-          </a:p>
-        </p:txBody>
-      </p:sp>
-      <p:sp>
-        <p:nvSpPr>
-          <p:cNvPr id="3" name="Content Placeholder 2">
-            <a:extLst>
-              <a:ext uri="{FF2B5EF4-FFF2-40B4-BE49-F238E27FC236}">
-                <a16:creationId xmlns:a16="http://schemas.microsoft.com/office/drawing/2014/main" id="{3F9303BC-4807-834C-BD6C-5B6229DDF246}"/>
-              </a:ext>
-            </a:extLst>
-          </p:cNvPr>
+            <a:endParaRPr lang="en-US" dirty="0"/>
+          </a:p>
+        </p:txBody>
+      </p:sp>
+      <p:sp>
+        <p:nvSpPr>
+          <p:cNvPr id="3" name="Content Placeholder 2"/>
           <p:cNvSpPr>
             <a:spLocks noGrp="1"/>
           </p:cNvSpPr>
@@ -2225,39 +1962,39 @@
         </p:nvSpPr>
         <p:spPr>
           <a:xfrm>
-            <a:off x="5183188" y="987425"/>
-            <a:ext cx="6172200" cy="4873625"/>
+            <a:off x="6910917" y="1755425"/>
+            <a:ext cx="8229600" cy="8664222"/>
           </a:xfrm>
         </p:spPr>
         <p:txBody>
           <a:bodyPr/>
           <a:lstStyle>
             <a:lvl1pPr>
-              <a:defRPr sz="3200"/>
+              <a:defRPr sz="5689"/>
             </a:lvl1pPr>
             <a:lvl2pPr>
-              <a:defRPr sz="2800"/>
+              <a:defRPr sz="4978"/>
             </a:lvl2pPr>
             <a:lvl3pPr>
-              <a:defRPr sz="2400"/>
+              <a:defRPr sz="4267"/>
             </a:lvl3pPr>
             <a:lvl4pPr>
-              <a:defRPr sz="2000"/>
+              <a:defRPr sz="3556"/>
             </a:lvl4pPr>
             <a:lvl5pPr>
-              <a:defRPr sz="2000"/>
+              <a:defRPr sz="3556"/>
             </a:lvl5pPr>
             <a:lvl6pPr>
-              <a:defRPr sz="2000"/>
+              <a:defRPr sz="3556"/>
             </a:lvl6pPr>
             <a:lvl7pPr>
-              <a:defRPr sz="2000"/>
+              <a:defRPr sz="3556"/>
             </a:lvl7pPr>
             <a:lvl8pPr>
-              <a:defRPr sz="2000"/>
+              <a:defRPr sz="3556"/>
             </a:lvl8pPr>
             <a:lvl9pPr>
-              <a:defRPr sz="2000"/>
+              <a:defRPr sz="3556"/>
             </a:lvl9pPr>
           </a:lstStyle>
           <a:p>
@@ -2294,18 +2031,13 @@
               <a:rPr lang="en-US"/>
               <a:t>Fifth level</a:t>
             </a:r>
-          </a:p>
-        </p:txBody>
-      </p:sp>
-      <p:sp>
-        <p:nvSpPr>
-          <p:cNvPr id="4" name="Text Placeholder 3">
-            <a:extLst>
-              <a:ext uri="{FF2B5EF4-FFF2-40B4-BE49-F238E27FC236}">
-                <a16:creationId xmlns:a16="http://schemas.microsoft.com/office/drawing/2014/main" id="{0D369FEC-000B-944C-86DF-8148F0F2DB93}"/>
-              </a:ext>
-            </a:extLst>
-          </p:cNvPr>
+            <a:endParaRPr lang="en-US" dirty="0"/>
+          </a:p>
+        </p:txBody>
+      </p:sp>
+      <p:sp>
+        <p:nvSpPr>
+          <p:cNvPr id="4" name="Text Placeholder 3"/>
           <p:cNvSpPr>
             <a:spLocks noGrp="1"/>
           </p:cNvSpPr>
@@ -2315,8 +2047,8 @@
         </p:nvSpPr>
         <p:spPr>
           <a:xfrm>
-            <a:off x="839788" y="2057400"/>
-            <a:ext cx="3932237" cy="3811588"/>
+            <a:off x="1119717" y="3657600"/>
+            <a:ext cx="5242983" cy="6776156"/>
           </a:xfrm>
         </p:spPr>
         <p:txBody>
@@ -2324,39 +2056,39 @@
           <a:lstStyle>
             <a:lvl1pPr marL="0" indent="0">
               <a:buNone/>
-              <a:defRPr sz="1600"/>
+              <a:defRPr sz="2844"/>
             </a:lvl1pPr>
-            <a:lvl2pPr marL="457200" indent="0">
-              <a:buNone/>
-              <a:defRPr sz="1400"/>
+            <a:lvl2pPr marL="812810" indent="0">
+              <a:buNone/>
+              <a:defRPr sz="2489"/>
             </a:lvl2pPr>
-            <a:lvl3pPr marL="914400" indent="0">
-              <a:buNone/>
-              <a:defRPr sz="1200"/>
+            <a:lvl3pPr marL="1625620" indent="0">
+              <a:buNone/>
+              <a:defRPr sz="2133"/>
             </a:lvl3pPr>
-            <a:lvl4pPr marL="1371600" indent="0">
-              <a:buNone/>
-              <a:defRPr sz="1000"/>
+            <a:lvl4pPr marL="2438430" indent="0">
+              <a:buNone/>
+              <a:defRPr sz="1778"/>
             </a:lvl4pPr>
-            <a:lvl5pPr marL="1828800" indent="0">
-              <a:buNone/>
-              <a:defRPr sz="1000"/>
+            <a:lvl5pPr marL="3251241" indent="0">
+              <a:buNone/>
+              <a:defRPr sz="1778"/>
             </a:lvl5pPr>
-            <a:lvl6pPr marL="2286000" indent="0">
-              <a:buNone/>
-              <a:defRPr sz="1000"/>
+            <a:lvl6pPr marL="4064051" indent="0">
+              <a:buNone/>
+              <a:defRPr sz="1778"/>
             </a:lvl6pPr>
-            <a:lvl7pPr marL="2743200" indent="0">
-              <a:buNone/>
-              <a:defRPr sz="1000"/>
+            <a:lvl7pPr marL="4876861" indent="0">
+              <a:buNone/>
+              <a:defRPr sz="1778"/>
             </a:lvl7pPr>
-            <a:lvl8pPr marL="3200400" indent="0">
-              <a:buNone/>
-              <a:defRPr sz="1000"/>
+            <a:lvl8pPr marL="5689671" indent="0">
+              <a:buNone/>
+              <a:defRPr sz="1778"/>
             </a:lvl8pPr>
-            <a:lvl9pPr marL="3657600" indent="0">
-              <a:buNone/>
-              <a:defRPr sz="1000"/>
+            <a:lvl9pPr marL="6502481" indent="0">
+              <a:buNone/>
+              <a:defRPr sz="1778"/>
             </a:lvl9pPr>
           </a:lstStyle>
           <a:p>
@@ -2370,13 +2102,7 @@
       </p:sp>
       <p:sp>
         <p:nvSpPr>
-          <p:cNvPr id="5" name="Date Placeholder 4">
-            <a:extLst>
-              <a:ext uri="{FF2B5EF4-FFF2-40B4-BE49-F238E27FC236}">
-                <a16:creationId xmlns:a16="http://schemas.microsoft.com/office/drawing/2014/main" id="{515BCBDE-CFA1-D64C-8CAB-D8EA224B05D2}"/>
-              </a:ext>
-            </a:extLst>
-          </p:cNvPr>
+          <p:cNvPr id="5" name="Date Placeholder 4"/>
           <p:cNvSpPr>
             <a:spLocks noGrp="1"/>
           </p:cNvSpPr>
@@ -2391,7 +2117,7 @@
           <a:p>
             <a:fld id="{7E12C33F-D2B0-4D4A-8E7C-165AB81C62D6}" type="datetimeFigureOut">
               <a:rPr lang="en-US" smtClean="0"/>
-              <a:t>12/3/21</a:t>
+              <a:t>12/10/21</a:t>
             </a:fld>
             <a:endParaRPr lang="en-US"/>
           </a:p>
@@ -2399,13 +2125,7 @@
       </p:sp>
       <p:sp>
         <p:nvSpPr>
-          <p:cNvPr id="6" name="Footer Placeholder 5">
-            <a:extLst>
-              <a:ext uri="{FF2B5EF4-FFF2-40B4-BE49-F238E27FC236}">
-                <a16:creationId xmlns:a16="http://schemas.microsoft.com/office/drawing/2014/main" id="{18FE52CA-51BB-D04E-A843-A819165BBEC3}"/>
-              </a:ext>
-            </a:extLst>
-          </p:cNvPr>
+          <p:cNvPr id="6" name="Footer Placeholder 5"/>
           <p:cNvSpPr>
             <a:spLocks noGrp="1"/>
           </p:cNvSpPr>
@@ -2424,13 +2144,7 @@
       </p:sp>
       <p:sp>
         <p:nvSpPr>
-          <p:cNvPr id="7" name="Slide Number Placeholder 6">
-            <a:extLst>
-              <a:ext uri="{FF2B5EF4-FFF2-40B4-BE49-F238E27FC236}">
-                <a16:creationId xmlns:a16="http://schemas.microsoft.com/office/drawing/2014/main" id="{842873F1-0869-C042-9361-C529A1274235}"/>
-              </a:ext>
-            </a:extLst>
-          </p:cNvPr>
+          <p:cNvPr id="7" name="Slide Number Placeholder 6"/>
           <p:cNvSpPr>
             <a:spLocks noGrp="1"/>
           </p:cNvSpPr>
@@ -2454,7 +2168,7 @@
     </p:spTree>
     <p:extLst>
       <p:ext uri="{BB962C8B-B14F-4D97-AF65-F5344CB8AC3E}">
-        <p14:creationId xmlns:p14="http://schemas.microsoft.com/office/powerpoint/2010/main" val="3235031460"/>
+        <p14:creationId xmlns:p14="http://schemas.microsoft.com/office/powerpoint/2010/main" val="2289047693"/>
       </p:ext>
     </p:extLst>
   </p:cSld>
@@ -2483,13 +2197,7 @@
       </p:grpSpPr>
       <p:sp>
         <p:nvSpPr>
-          <p:cNvPr id="2" name="Title 1">
-            <a:extLst>
-              <a:ext uri="{FF2B5EF4-FFF2-40B4-BE49-F238E27FC236}">
-                <a16:creationId xmlns:a16="http://schemas.microsoft.com/office/drawing/2014/main" id="{5BE8A293-AA31-CE49-9A6F-974D2D1783B1}"/>
-              </a:ext>
-            </a:extLst>
-          </p:cNvPr>
+          <p:cNvPr id="2" name="Title 1"/>
           <p:cNvSpPr>
             <a:spLocks noGrp="1"/>
           </p:cNvSpPr>
@@ -2499,15 +2207,15 @@
         </p:nvSpPr>
         <p:spPr>
           <a:xfrm>
-            <a:off x="839788" y="457200"/>
-            <a:ext cx="3932237" cy="1600200"/>
+            <a:off x="1119717" y="812800"/>
+            <a:ext cx="5242983" cy="2844800"/>
           </a:xfrm>
         </p:spPr>
         <p:txBody>
           <a:bodyPr anchor="b"/>
           <a:lstStyle>
             <a:lvl1pPr>
-              <a:defRPr sz="3200"/>
+              <a:defRPr sz="5689"/>
             </a:lvl1pPr>
           </a:lstStyle>
           <a:p>
@@ -2515,20 +2223,15 @@
               <a:rPr lang="en-US"/>
               <a:t>Click to edit Master title style</a:t>
             </a:r>
-          </a:p>
-        </p:txBody>
-      </p:sp>
-      <p:sp>
-        <p:nvSpPr>
-          <p:cNvPr id="3" name="Picture Placeholder 2">
-            <a:extLst>
-              <a:ext uri="{FF2B5EF4-FFF2-40B4-BE49-F238E27FC236}">
-                <a16:creationId xmlns:a16="http://schemas.microsoft.com/office/drawing/2014/main" id="{DB954802-D7C0-ED47-B5FE-94890D32906B}"/>
-              </a:ext>
-            </a:extLst>
-          </p:cNvPr>
-          <p:cNvSpPr>
-            <a:spLocks noGrp="1"/>
+            <a:endParaRPr lang="en-US" dirty="0"/>
+          </a:p>
+        </p:txBody>
+      </p:sp>
+      <p:sp>
+        <p:nvSpPr>
+          <p:cNvPr id="3" name="Picture Placeholder 2"/>
+          <p:cNvSpPr>
+            <a:spLocks noGrp="1" noChangeAspect="1"/>
           </p:cNvSpPr>
           <p:nvPr>
             <p:ph type="pic" idx="1"/>
@@ -2536,64 +2239,62 @@
         </p:nvSpPr>
         <p:spPr>
           <a:xfrm>
-            <a:off x="5183188" y="987425"/>
-            <a:ext cx="6172200" cy="4873625"/>
+            <a:off x="6910917" y="1755425"/>
+            <a:ext cx="8229600" cy="8664222"/>
           </a:xfrm>
         </p:spPr>
         <p:txBody>
-          <a:bodyPr/>
+          <a:bodyPr anchor="t"/>
           <a:lstStyle>
             <a:lvl1pPr marL="0" indent="0">
               <a:buNone/>
-              <a:defRPr sz="3200"/>
+              <a:defRPr sz="5689"/>
             </a:lvl1pPr>
-            <a:lvl2pPr marL="457200" indent="0">
-              <a:buNone/>
-              <a:defRPr sz="2800"/>
+            <a:lvl2pPr marL="812810" indent="0">
+              <a:buNone/>
+              <a:defRPr sz="4978"/>
             </a:lvl2pPr>
-            <a:lvl3pPr marL="914400" indent="0">
-              <a:buNone/>
-              <a:defRPr sz="2400"/>
+            <a:lvl3pPr marL="1625620" indent="0">
+              <a:buNone/>
+              <a:defRPr sz="4267"/>
             </a:lvl3pPr>
-            <a:lvl4pPr marL="1371600" indent="0">
-              <a:buNone/>
-              <a:defRPr sz="2000"/>
+            <a:lvl4pPr marL="2438430" indent="0">
+              <a:buNone/>
+              <a:defRPr sz="3556"/>
             </a:lvl4pPr>
-            <a:lvl5pPr marL="1828800" indent="0">
-              <a:buNone/>
-              <a:defRPr sz="2000"/>
+            <a:lvl5pPr marL="3251241" indent="0">
+              <a:buNone/>
+              <a:defRPr sz="3556"/>
             </a:lvl5pPr>
-            <a:lvl6pPr marL="2286000" indent="0">
-              <a:buNone/>
-              <a:defRPr sz="2000"/>
+            <a:lvl6pPr marL="4064051" indent="0">
+              <a:buNone/>
+              <a:defRPr sz="3556"/>
             </a:lvl6pPr>
-            <a:lvl7pPr marL="2743200" indent="0">
-              <a:buNone/>
-              <a:defRPr sz="2000"/>
+            <a:lvl7pPr marL="4876861" indent="0">
+              <a:buNone/>
+              <a:defRPr sz="3556"/>
             </a:lvl7pPr>
-            <a:lvl8pPr marL="3200400" indent="0">
-              <a:buNone/>
-              <a:defRPr sz="2000"/>
+            <a:lvl8pPr marL="5689671" indent="0">
+              <a:buNone/>
+              <a:defRPr sz="3556"/>
             </a:lvl8pPr>
-            <a:lvl9pPr marL="3657600" indent="0">
-              <a:buNone/>
-              <a:defRPr sz="2000"/>
+            <a:lvl9pPr marL="6502481" indent="0">
+              <a:buNone/>
+              <a:defRPr sz="3556"/>
             </a:lvl9pPr>
           </a:lstStyle>
           <a:p>
-            <a:endParaRPr lang="en-US"/>
-          </a:p>
-        </p:txBody>
-      </p:sp>
-      <p:sp>
-        <p:nvSpPr>
-          <p:cNvPr id="4" name="Text Placeholder 3">
-            <a:extLst>
-              <a:ext uri="{FF2B5EF4-FFF2-40B4-BE49-F238E27FC236}">
-                <a16:creationId xmlns:a16="http://schemas.microsoft.com/office/drawing/2014/main" id="{611400A0-8EED-6E4E-AB1B-D53645BC31BF}"/>
-              </a:ext>
-            </a:extLst>
-          </p:cNvPr>
+            <a:r>
+              <a:rPr lang="en-US"/>
+              <a:t>Click icon to add picture</a:t>
+            </a:r>
+            <a:endParaRPr lang="en-US" dirty="0"/>
+          </a:p>
+        </p:txBody>
+      </p:sp>
+      <p:sp>
+        <p:nvSpPr>
+          <p:cNvPr id="4" name="Text Placeholder 3"/>
           <p:cNvSpPr>
             <a:spLocks noGrp="1"/>
           </p:cNvSpPr>
@@ -2603,8 +2304,8 @@
         </p:nvSpPr>
         <p:spPr>
           <a:xfrm>
-            <a:off x="839788" y="2057400"/>
-            <a:ext cx="3932237" cy="3811588"/>
+            <a:off x="1119717" y="3657600"/>
+            <a:ext cx="5242983" cy="6776156"/>
           </a:xfrm>
         </p:spPr>
         <p:txBody>
@@ -2612,39 +2313,39 @@
           <a:lstStyle>
             <a:lvl1pPr marL="0" indent="0">
               <a:buNone/>
-              <a:defRPr sz="1600"/>
+              <a:defRPr sz="2844"/>
             </a:lvl1pPr>
-            <a:lvl2pPr marL="457200" indent="0">
-              <a:buNone/>
-              <a:defRPr sz="1400"/>
+            <a:lvl2pPr marL="812810" indent="0">
+              <a:buNone/>
+              <a:defRPr sz="2489"/>
             </a:lvl2pPr>
-            <a:lvl3pPr marL="914400" indent="0">
-              <a:buNone/>
-              <a:defRPr sz="1200"/>
+            <a:lvl3pPr marL="1625620" indent="0">
+              <a:buNone/>
+              <a:defRPr sz="2133"/>
             </a:lvl3pPr>
-            <a:lvl4pPr marL="1371600" indent="0">
-              <a:buNone/>
-              <a:defRPr sz="1000"/>
+            <a:lvl4pPr marL="2438430" indent="0">
+              <a:buNone/>
+              <a:defRPr sz="1778"/>
             </a:lvl4pPr>
-            <a:lvl5pPr marL="1828800" indent="0">
-              <a:buNone/>
-              <a:defRPr sz="1000"/>
+            <a:lvl5pPr marL="3251241" indent="0">
+              <a:buNone/>
+              <a:defRPr sz="1778"/>
             </a:lvl5pPr>
-            <a:lvl6pPr marL="2286000" indent="0">
-              <a:buNone/>
-              <a:defRPr sz="1000"/>
+            <a:lvl6pPr marL="4064051" indent="0">
+              <a:buNone/>
+              <a:defRPr sz="1778"/>
             </a:lvl6pPr>
-            <a:lvl7pPr marL="2743200" indent="0">
-              <a:buNone/>
-              <a:defRPr sz="1000"/>
+            <a:lvl7pPr marL="4876861" indent="0">
+              <a:buNone/>
+              <a:defRPr sz="1778"/>
             </a:lvl7pPr>
-            <a:lvl8pPr marL="3200400" indent="0">
-              <a:buNone/>
-              <a:defRPr sz="1000"/>
+            <a:lvl8pPr marL="5689671" indent="0">
+              <a:buNone/>
+              <a:defRPr sz="1778"/>
             </a:lvl8pPr>
-            <a:lvl9pPr marL="3657600" indent="0">
-              <a:buNone/>
-              <a:defRPr sz="1000"/>
+            <a:lvl9pPr marL="6502481" indent="0">
+              <a:buNone/>
+              <a:defRPr sz="1778"/>
             </a:lvl9pPr>
           </a:lstStyle>
           <a:p>
@@ -2658,13 +2359,7 @@
       </p:sp>
       <p:sp>
         <p:nvSpPr>
-          <p:cNvPr id="5" name="Date Placeholder 4">
-            <a:extLst>
-              <a:ext uri="{FF2B5EF4-FFF2-40B4-BE49-F238E27FC236}">
-                <a16:creationId xmlns:a16="http://schemas.microsoft.com/office/drawing/2014/main" id="{4041108F-8FE6-2742-9D2C-329A8A91F5B9}"/>
-              </a:ext>
-            </a:extLst>
-          </p:cNvPr>
+          <p:cNvPr id="5" name="Date Placeholder 4"/>
           <p:cNvSpPr>
             <a:spLocks noGrp="1"/>
           </p:cNvSpPr>
@@ -2679,7 +2374,7 @@
           <a:p>
             <a:fld id="{7E12C33F-D2B0-4D4A-8E7C-165AB81C62D6}" type="datetimeFigureOut">
               <a:rPr lang="en-US" smtClean="0"/>
-              <a:t>12/3/21</a:t>
+              <a:t>12/10/21</a:t>
             </a:fld>
             <a:endParaRPr lang="en-US"/>
           </a:p>
@@ -2687,13 +2382,7 @@
       </p:sp>
       <p:sp>
         <p:nvSpPr>
-          <p:cNvPr id="6" name="Footer Placeholder 5">
-            <a:extLst>
-              <a:ext uri="{FF2B5EF4-FFF2-40B4-BE49-F238E27FC236}">
-                <a16:creationId xmlns:a16="http://schemas.microsoft.com/office/drawing/2014/main" id="{96ACF50B-7574-3747-9344-BCFA49117345}"/>
-              </a:ext>
-            </a:extLst>
-          </p:cNvPr>
+          <p:cNvPr id="6" name="Footer Placeholder 5"/>
           <p:cNvSpPr>
             <a:spLocks noGrp="1"/>
           </p:cNvSpPr>
@@ -2712,13 +2401,7 @@
       </p:sp>
       <p:sp>
         <p:nvSpPr>
-          <p:cNvPr id="7" name="Slide Number Placeholder 6">
-            <a:extLst>
-              <a:ext uri="{FF2B5EF4-FFF2-40B4-BE49-F238E27FC236}">
-                <a16:creationId xmlns:a16="http://schemas.microsoft.com/office/drawing/2014/main" id="{461DC8C4-D6B7-E044-AE40-3C23C4C7C819}"/>
-              </a:ext>
-            </a:extLst>
-          </p:cNvPr>
+          <p:cNvPr id="7" name="Slide Number Placeholder 6"/>
           <p:cNvSpPr>
             <a:spLocks noGrp="1"/>
           </p:cNvSpPr>
@@ -2742,7 +2425,7 @@
     </p:spTree>
     <p:extLst>
       <p:ext uri="{BB962C8B-B14F-4D97-AF65-F5344CB8AC3E}">
-        <p14:creationId xmlns:p14="http://schemas.microsoft.com/office/powerpoint/2010/main" val="2093983674"/>
+        <p14:creationId xmlns:p14="http://schemas.microsoft.com/office/powerpoint/2010/main" val="179022255"/>
       </p:ext>
     </p:extLst>
   </p:cSld>
@@ -2776,13 +2459,7 @@
       </p:grpSpPr>
       <p:sp>
         <p:nvSpPr>
-          <p:cNvPr id="2" name="Title Placeholder 1">
-            <a:extLst>
-              <a:ext uri="{FF2B5EF4-FFF2-40B4-BE49-F238E27FC236}">
-                <a16:creationId xmlns:a16="http://schemas.microsoft.com/office/drawing/2014/main" id="{E558308A-E86A-4C47-90D8-C3DE7E72CB6E}"/>
-              </a:ext>
-            </a:extLst>
-          </p:cNvPr>
+          <p:cNvPr id="2" name="Title Placeholder 1"/>
           <p:cNvSpPr>
             <a:spLocks noGrp="1"/>
           </p:cNvSpPr>
@@ -2792,8 +2469,8 @@
         </p:nvSpPr>
         <p:spPr>
           <a:xfrm>
-            <a:off x="838200" y="365125"/>
-            <a:ext cx="10515600" cy="1325563"/>
+            <a:off x="1117600" y="649114"/>
+            <a:ext cx="14020800" cy="2356556"/>
           </a:xfrm>
           <a:prstGeom prst="rect">
             <a:avLst/>
@@ -2809,18 +2486,13 @@
               <a:rPr lang="en-US"/>
               <a:t>Click to edit Master title style</a:t>
             </a:r>
-          </a:p>
-        </p:txBody>
-      </p:sp>
-      <p:sp>
-        <p:nvSpPr>
-          <p:cNvPr id="3" name="Text Placeholder 2">
-            <a:extLst>
-              <a:ext uri="{FF2B5EF4-FFF2-40B4-BE49-F238E27FC236}">
-                <a16:creationId xmlns:a16="http://schemas.microsoft.com/office/drawing/2014/main" id="{D3E4F41D-5246-D448-8C45-C018F41F308C}"/>
-              </a:ext>
-            </a:extLst>
-          </p:cNvPr>
+            <a:endParaRPr lang="en-US" dirty="0"/>
+          </a:p>
+        </p:txBody>
+      </p:sp>
+      <p:sp>
+        <p:nvSpPr>
+          <p:cNvPr id="3" name="Text Placeholder 2"/>
           <p:cNvSpPr>
             <a:spLocks noGrp="1"/>
           </p:cNvSpPr>
@@ -2830,8 +2502,8 @@
         </p:nvSpPr>
         <p:spPr>
           <a:xfrm>
-            <a:off x="838200" y="1825625"/>
-            <a:ext cx="10515600" cy="4351338"/>
+            <a:off x="1117600" y="3245556"/>
+            <a:ext cx="14020800" cy="7735712"/>
           </a:xfrm>
           <a:prstGeom prst="rect">
             <a:avLst/>
@@ -2876,18 +2548,13 @@
               <a:rPr lang="en-US"/>
               <a:t>Fifth level</a:t>
             </a:r>
-          </a:p>
-        </p:txBody>
-      </p:sp>
-      <p:sp>
-        <p:nvSpPr>
-          <p:cNvPr id="4" name="Date Placeholder 3">
-            <a:extLst>
-              <a:ext uri="{FF2B5EF4-FFF2-40B4-BE49-F238E27FC236}">
-                <a16:creationId xmlns:a16="http://schemas.microsoft.com/office/drawing/2014/main" id="{4B594C43-5AEA-E84B-ACDB-3B6444F9FFE0}"/>
-              </a:ext>
-            </a:extLst>
-          </p:cNvPr>
+            <a:endParaRPr lang="en-US" dirty="0"/>
+          </a:p>
+        </p:txBody>
+      </p:sp>
+      <p:sp>
+        <p:nvSpPr>
+          <p:cNvPr id="4" name="Date Placeholder 3"/>
           <p:cNvSpPr>
             <a:spLocks noGrp="1"/>
           </p:cNvSpPr>
@@ -2897,8 +2564,8 @@
         </p:nvSpPr>
         <p:spPr>
           <a:xfrm>
-            <a:off x="838200" y="6356350"/>
-            <a:ext cx="2743200" cy="365125"/>
+            <a:off x="1117600" y="11300181"/>
+            <a:ext cx="3657600" cy="649111"/>
           </a:xfrm>
           <a:prstGeom prst="rect">
             <a:avLst/>
@@ -2908,7 +2575,7 @@
           <a:bodyPr vert="horz" lIns="91440" tIns="45720" rIns="91440" bIns="45720" rtlCol="0" anchor="ctr"/>
           <a:lstStyle>
             <a:lvl1pPr algn="l">
-              <a:defRPr sz="1200">
+              <a:defRPr sz="2133">
                 <a:solidFill>
                   <a:schemeClr val="tx1">
                     <a:tint val="75000"/>
@@ -2920,7 +2587,7 @@
           <a:p>
             <a:fld id="{7E12C33F-D2B0-4D4A-8E7C-165AB81C62D6}" type="datetimeFigureOut">
               <a:rPr lang="en-US" smtClean="0"/>
-              <a:t>12/3/21</a:t>
+              <a:t>12/10/21</a:t>
             </a:fld>
             <a:endParaRPr lang="en-US"/>
           </a:p>
@@ -2928,13 +2595,7 @@
       </p:sp>
       <p:sp>
         <p:nvSpPr>
-          <p:cNvPr id="5" name="Footer Placeholder 4">
-            <a:extLst>
-              <a:ext uri="{FF2B5EF4-FFF2-40B4-BE49-F238E27FC236}">
-                <a16:creationId xmlns:a16="http://schemas.microsoft.com/office/drawing/2014/main" id="{6CD2C5BE-571D-0049-AEB7-FD5C745D736A}"/>
-              </a:ext>
-            </a:extLst>
-          </p:cNvPr>
+          <p:cNvPr id="5" name="Footer Placeholder 4"/>
           <p:cNvSpPr>
             <a:spLocks noGrp="1"/>
           </p:cNvSpPr>
@@ -2944,8 +2605,8 @@
         </p:nvSpPr>
         <p:spPr>
           <a:xfrm>
-            <a:off x="4038600" y="6356350"/>
-            <a:ext cx="4114800" cy="365125"/>
+            <a:off x="5384800" y="11300181"/>
+            <a:ext cx="5486400" cy="649111"/>
           </a:xfrm>
           <a:prstGeom prst="rect">
             <a:avLst/>
@@ -2955,7 +2616,7 @@
           <a:bodyPr vert="horz" lIns="91440" tIns="45720" rIns="91440" bIns="45720" rtlCol="0" anchor="ctr"/>
           <a:lstStyle>
             <a:lvl1pPr algn="ctr">
-              <a:defRPr sz="1200">
+              <a:defRPr sz="2133">
                 <a:solidFill>
                   <a:schemeClr val="tx1">
                     <a:tint val="75000"/>
@@ -2971,13 +2632,7 @@
       </p:sp>
       <p:sp>
         <p:nvSpPr>
-          <p:cNvPr id="6" name="Slide Number Placeholder 5">
-            <a:extLst>
-              <a:ext uri="{FF2B5EF4-FFF2-40B4-BE49-F238E27FC236}">
-                <a16:creationId xmlns:a16="http://schemas.microsoft.com/office/drawing/2014/main" id="{4E83C65A-EF0C-1742-8753-49006724ACC9}"/>
-              </a:ext>
-            </a:extLst>
-          </p:cNvPr>
+          <p:cNvPr id="6" name="Slide Number Placeholder 5"/>
           <p:cNvSpPr>
             <a:spLocks noGrp="1"/>
           </p:cNvSpPr>
@@ -2987,8 +2642,8 @@
         </p:nvSpPr>
         <p:spPr>
           <a:xfrm>
-            <a:off x="8610600" y="6356350"/>
-            <a:ext cx="2743200" cy="365125"/>
+            <a:off x="11480800" y="11300181"/>
+            <a:ext cx="3657600" cy="649111"/>
           </a:xfrm>
           <a:prstGeom prst="rect">
             <a:avLst/>
@@ -2998,7 +2653,7 @@
           <a:bodyPr vert="horz" lIns="91440" tIns="45720" rIns="91440" bIns="45720" rtlCol="0" anchor="ctr"/>
           <a:lstStyle>
             <a:lvl1pPr algn="r">
-              <a:defRPr sz="1200">
+              <a:defRPr sz="2133">
                 <a:solidFill>
                   <a:schemeClr val="tx1">
                     <a:tint val="75000"/>
@@ -3019,27 +2674,27 @@
     </p:spTree>
     <p:extLst>
       <p:ext uri="{BB962C8B-B14F-4D97-AF65-F5344CB8AC3E}">
-        <p14:creationId xmlns:p14="http://schemas.microsoft.com/office/powerpoint/2010/main" val="1766972957"/>
+        <p14:creationId xmlns:p14="http://schemas.microsoft.com/office/powerpoint/2010/main" val="2416717897"/>
       </p:ext>
     </p:extLst>
   </p:cSld>
   <p:clrMap bg1="lt1" tx1="dk1" bg2="lt2" tx2="dk2" accent1="accent1" accent2="accent2" accent3="accent3" accent4="accent4" accent5="accent5" accent6="accent6" hlink="hlink" folHlink="folHlink"/>
   <p:sldLayoutIdLst>
-    <p:sldLayoutId id="2147483649" r:id="rId1"/>
-    <p:sldLayoutId id="2147483650" r:id="rId2"/>
-    <p:sldLayoutId id="2147483651" r:id="rId3"/>
-    <p:sldLayoutId id="2147483652" r:id="rId4"/>
-    <p:sldLayoutId id="2147483653" r:id="rId5"/>
-    <p:sldLayoutId id="2147483654" r:id="rId6"/>
-    <p:sldLayoutId id="2147483655" r:id="rId7"/>
-    <p:sldLayoutId id="2147483656" r:id="rId8"/>
-    <p:sldLayoutId id="2147483657" r:id="rId9"/>
-    <p:sldLayoutId id="2147483658" r:id="rId10"/>
-    <p:sldLayoutId id="2147483659" r:id="rId11"/>
+    <p:sldLayoutId id="2147483673" r:id="rId1"/>
+    <p:sldLayoutId id="2147483674" r:id="rId2"/>
+    <p:sldLayoutId id="2147483675" r:id="rId3"/>
+    <p:sldLayoutId id="2147483676" r:id="rId4"/>
+    <p:sldLayoutId id="2147483677" r:id="rId5"/>
+    <p:sldLayoutId id="2147483678" r:id="rId6"/>
+    <p:sldLayoutId id="2147483679" r:id="rId7"/>
+    <p:sldLayoutId id="2147483680" r:id="rId8"/>
+    <p:sldLayoutId id="2147483681" r:id="rId9"/>
+    <p:sldLayoutId id="2147483682" r:id="rId10"/>
+    <p:sldLayoutId id="2147483683" r:id="rId11"/>
   </p:sldLayoutIdLst>
   <p:txStyles>
     <p:titleStyle>
-      <a:lvl1pPr algn="l" defTabSz="914400" rtl="0" eaLnBrk="1" latinLnBrk="0" hangingPunct="1">
+      <a:lvl1pPr algn="l" defTabSz="1625620" rtl="0" eaLnBrk="1" latinLnBrk="0" hangingPunct="1">
         <a:lnSpc>
           <a:spcPct val="90000"/>
         </a:lnSpc>
@@ -3047,7 +2702,7 @@
           <a:spcPct val="0"/>
         </a:spcBef>
         <a:buNone/>
-        <a:defRPr sz="4400" kern="1200">
+        <a:defRPr sz="7822" kern="1200">
           <a:solidFill>
             <a:schemeClr val="tx1"/>
           </a:solidFill>
@@ -3058,16 +2713,16 @@
       </a:lvl1pPr>
     </p:titleStyle>
     <p:bodyStyle>
-      <a:lvl1pPr marL="228600" indent="-228600" algn="l" defTabSz="914400" rtl="0" eaLnBrk="1" latinLnBrk="0" hangingPunct="1">
+      <a:lvl1pPr marL="406405" indent="-406405" algn="l" defTabSz="1625620" rtl="0" eaLnBrk="1" latinLnBrk="0" hangingPunct="1">
         <a:lnSpc>
           <a:spcPct val="90000"/>
         </a:lnSpc>
         <a:spcBef>
-          <a:spcPts val="1000"/>
+          <a:spcPts val="1778"/>
         </a:spcBef>
         <a:buFont typeface="Arial" panose="020B0604020202020204" pitchFamily="34" charset="0"/>
         <a:buChar char="•"/>
-        <a:defRPr sz="2800" kern="1200">
+        <a:defRPr sz="4978" kern="1200">
           <a:solidFill>
             <a:schemeClr val="tx1"/>
           </a:solidFill>
@@ -3076,16 +2731,16 @@
           <a:cs typeface="+mn-cs"/>
         </a:defRPr>
       </a:lvl1pPr>
-      <a:lvl2pPr marL="685800" indent="-228600" algn="l" defTabSz="914400" rtl="0" eaLnBrk="1" latinLnBrk="0" hangingPunct="1">
+      <a:lvl2pPr marL="1219215" indent="-406405" algn="l" defTabSz="1625620" rtl="0" eaLnBrk="1" latinLnBrk="0" hangingPunct="1">
         <a:lnSpc>
           <a:spcPct val="90000"/>
         </a:lnSpc>
         <a:spcBef>
-          <a:spcPts val="500"/>
+          <a:spcPts val="889"/>
         </a:spcBef>
         <a:buFont typeface="Arial" panose="020B0604020202020204" pitchFamily="34" charset="0"/>
         <a:buChar char="•"/>
-        <a:defRPr sz="2400" kern="1200">
+        <a:defRPr sz="4267" kern="1200">
           <a:solidFill>
             <a:schemeClr val="tx1"/>
           </a:solidFill>
@@ -3094,16 +2749,16 @@
           <a:cs typeface="+mn-cs"/>
         </a:defRPr>
       </a:lvl2pPr>
-      <a:lvl3pPr marL="1143000" indent="-228600" algn="l" defTabSz="914400" rtl="0" eaLnBrk="1" latinLnBrk="0" hangingPunct="1">
+      <a:lvl3pPr marL="2032025" indent="-406405" algn="l" defTabSz="1625620" rtl="0" eaLnBrk="1" latinLnBrk="0" hangingPunct="1">
         <a:lnSpc>
           <a:spcPct val="90000"/>
         </a:lnSpc>
         <a:spcBef>
-          <a:spcPts val="500"/>
+          <a:spcPts val="889"/>
         </a:spcBef>
         <a:buFont typeface="Arial" panose="020B0604020202020204" pitchFamily="34" charset="0"/>
         <a:buChar char="•"/>
-        <a:defRPr sz="2000" kern="1200">
+        <a:defRPr sz="3556" kern="1200">
           <a:solidFill>
             <a:schemeClr val="tx1"/>
           </a:solidFill>
@@ -3112,16 +2767,16 @@
           <a:cs typeface="+mn-cs"/>
         </a:defRPr>
       </a:lvl3pPr>
-      <a:lvl4pPr marL="1600200" indent="-228600" algn="l" defTabSz="914400" rtl="0" eaLnBrk="1" latinLnBrk="0" hangingPunct="1">
+      <a:lvl4pPr marL="2844836" indent="-406405" algn="l" defTabSz="1625620" rtl="0" eaLnBrk="1" latinLnBrk="0" hangingPunct="1">
         <a:lnSpc>
           <a:spcPct val="90000"/>
         </a:lnSpc>
         <a:spcBef>
-          <a:spcPts val="500"/>
+          <a:spcPts val="889"/>
         </a:spcBef>
         <a:buFont typeface="Arial" panose="020B0604020202020204" pitchFamily="34" charset="0"/>
         <a:buChar char="•"/>
-        <a:defRPr sz="1800" kern="1200">
+        <a:defRPr sz="3200" kern="1200">
           <a:solidFill>
             <a:schemeClr val="tx1"/>
           </a:solidFill>
@@ -3130,16 +2785,16 @@
           <a:cs typeface="+mn-cs"/>
         </a:defRPr>
       </a:lvl4pPr>
-      <a:lvl5pPr marL="2057400" indent="-228600" algn="l" defTabSz="914400" rtl="0" eaLnBrk="1" latinLnBrk="0" hangingPunct="1">
+      <a:lvl5pPr marL="3657646" indent="-406405" algn="l" defTabSz="1625620" rtl="0" eaLnBrk="1" latinLnBrk="0" hangingPunct="1">
         <a:lnSpc>
           <a:spcPct val="90000"/>
         </a:lnSpc>
         <a:spcBef>
-          <a:spcPts val="500"/>
+          <a:spcPts val="889"/>
         </a:spcBef>
         <a:buFont typeface="Arial" panose="020B0604020202020204" pitchFamily="34" charset="0"/>
         <a:buChar char="•"/>
-        <a:defRPr sz="1800" kern="1200">
+        <a:defRPr sz="3200" kern="1200">
           <a:solidFill>
             <a:schemeClr val="tx1"/>
           </a:solidFill>
@@ -3148,16 +2803,16 @@
           <a:cs typeface="+mn-cs"/>
         </a:defRPr>
       </a:lvl5pPr>
-      <a:lvl6pPr marL="2514600" indent="-228600" algn="l" defTabSz="914400" rtl="0" eaLnBrk="1" latinLnBrk="0" hangingPunct="1">
+      <a:lvl6pPr marL="4470456" indent="-406405" algn="l" defTabSz="1625620" rtl="0" eaLnBrk="1" latinLnBrk="0" hangingPunct="1">
         <a:lnSpc>
           <a:spcPct val="90000"/>
         </a:lnSpc>
         <a:spcBef>
-          <a:spcPts val="500"/>
+          <a:spcPts val="889"/>
         </a:spcBef>
         <a:buFont typeface="Arial" panose="020B0604020202020204" pitchFamily="34" charset="0"/>
         <a:buChar char="•"/>
-        <a:defRPr sz="1800" kern="1200">
+        <a:defRPr sz="3200" kern="1200">
           <a:solidFill>
             <a:schemeClr val="tx1"/>
           </a:solidFill>
@@ -3166,16 +2821,16 @@
           <a:cs typeface="+mn-cs"/>
         </a:defRPr>
       </a:lvl6pPr>
-      <a:lvl7pPr marL="2971800" indent="-228600" algn="l" defTabSz="914400" rtl="0" eaLnBrk="1" latinLnBrk="0" hangingPunct="1">
+      <a:lvl7pPr marL="5283266" indent="-406405" algn="l" defTabSz="1625620" rtl="0" eaLnBrk="1" latinLnBrk="0" hangingPunct="1">
         <a:lnSpc>
           <a:spcPct val="90000"/>
         </a:lnSpc>
         <a:spcBef>
-          <a:spcPts val="500"/>
+          <a:spcPts val="889"/>
         </a:spcBef>
         <a:buFont typeface="Arial" panose="020B0604020202020204" pitchFamily="34" charset="0"/>
         <a:buChar char="•"/>
-        <a:defRPr sz="1800" kern="1200">
+        <a:defRPr sz="3200" kern="1200">
           <a:solidFill>
             <a:schemeClr val="tx1"/>
           </a:solidFill>
@@ -3184,16 +2839,16 @@
           <a:cs typeface="+mn-cs"/>
         </a:defRPr>
       </a:lvl7pPr>
-      <a:lvl8pPr marL="3429000" indent="-228600" algn="l" defTabSz="914400" rtl="0" eaLnBrk="1" latinLnBrk="0" hangingPunct="1">
+      <a:lvl8pPr marL="6096076" indent="-406405" algn="l" defTabSz="1625620" rtl="0" eaLnBrk="1" latinLnBrk="0" hangingPunct="1">
         <a:lnSpc>
           <a:spcPct val="90000"/>
         </a:lnSpc>
         <a:spcBef>
-          <a:spcPts val="500"/>
+          <a:spcPts val="889"/>
         </a:spcBef>
         <a:buFont typeface="Arial" panose="020B0604020202020204" pitchFamily="34" charset="0"/>
         <a:buChar char="•"/>
-        <a:defRPr sz="1800" kern="1200">
+        <a:defRPr sz="3200" kern="1200">
           <a:solidFill>
             <a:schemeClr val="tx1"/>
           </a:solidFill>
@@ -3202,16 +2857,16 @@
           <a:cs typeface="+mn-cs"/>
         </a:defRPr>
       </a:lvl8pPr>
-      <a:lvl9pPr marL="3886200" indent="-228600" algn="l" defTabSz="914400" rtl="0" eaLnBrk="1" latinLnBrk="0" hangingPunct="1">
+      <a:lvl9pPr marL="6908886" indent="-406405" algn="l" defTabSz="1625620" rtl="0" eaLnBrk="1" latinLnBrk="0" hangingPunct="1">
         <a:lnSpc>
           <a:spcPct val="90000"/>
         </a:lnSpc>
         <a:spcBef>
-          <a:spcPts val="500"/>
+          <a:spcPts val="889"/>
         </a:spcBef>
         <a:buFont typeface="Arial" panose="020B0604020202020204" pitchFamily="34" charset="0"/>
         <a:buChar char="•"/>
-        <a:defRPr sz="1800" kern="1200">
+        <a:defRPr sz="3200" kern="1200">
           <a:solidFill>
             <a:schemeClr val="tx1"/>
           </a:solidFill>
@@ -3225,8 +2880,8 @@
       <a:defPPr>
         <a:defRPr lang="en-US"/>
       </a:defPPr>
-      <a:lvl1pPr marL="0" algn="l" defTabSz="914400" rtl="0" eaLnBrk="1" latinLnBrk="0" hangingPunct="1">
-        <a:defRPr sz="1800" kern="1200">
+      <a:lvl1pPr marL="0" algn="l" defTabSz="1625620" rtl="0" eaLnBrk="1" latinLnBrk="0" hangingPunct="1">
+        <a:defRPr sz="3200" kern="1200">
           <a:solidFill>
             <a:schemeClr val="tx1"/>
           </a:solidFill>
@@ -3235,8 +2890,8 @@
           <a:cs typeface="+mn-cs"/>
         </a:defRPr>
       </a:lvl1pPr>
-      <a:lvl2pPr marL="457200" algn="l" defTabSz="914400" rtl="0" eaLnBrk="1" latinLnBrk="0" hangingPunct="1">
-        <a:defRPr sz="1800" kern="1200">
+      <a:lvl2pPr marL="812810" algn="l" defTabSz="1625620" rtl="0" eaLnBrk="1" latinLnBrk="0" hangingPunct="1">
+        <a:defRPr sz="3200" kern="1200">
           <a:solidFill>
             <a:schemeClr val="tx1"/>
           </a:solidFill>
@@ -3245,8 +2900,8 @@
           <a:cs typeface="+mn-cs"/>
         </a:defRPr>
       </a:lvl2pPr>
-      <a:lvl3pPr marL="914400" algn="l" defTabSz="914400" rtl="0" eaLnBrk="1" latinLnBrk="0" hangingPunct="1">
-        <a:defRPr sz="1800" kern="1200">
+      <a:lvl3pPr marL="1625620" algn="l" defTabSz="1625620" rtl="0" eaLnBrk="1" latinLnBrk="0" hangingPunct="1">
+        <a:defRPr sz="3200" kern="1200">
           <a:solidFill>
             <a:schemeClr val="tx1"/>
           </a:solidFill>
@@ -3255,8 +2910,8 @@
           <a:cs typeface="+mn-cs"/>
         </a:defRPr>
       </a:lvl3pPr>
-      <a:lvl4pPr marL="1371600" algn="l" defTabSz="914400" rtl="0" eaLnBrk="1" latinLnBrk="0" hangingPunct="1">
-        <a:defRPr sz="1800" kern="1200">
+      <a:lvl4pPr marL="2438430" algn="l" defTabSz="1625620" rtl="0" eaLnBrk="1" latinLnBrk="0" hangingPunct="1">
+        <a:defRPr sz="3200" kern="1200">
           <a:solidFill>
             <a:schemeClr val="tx1"/>
           </a:solidFill>
@@ -3265,8 +2920,8 @@
           <a:cs typeface="+mn-cs"/>
         </a:defRPr>
       </a:lvl4pPr>
-      <a:lvl5pPr marL="1828800" algn="l" defTabSz="914400" rtl="0" eaLnBrk="1" latinLnBrk="0" hangingPunct="1">
-        <a:defRPr sz="1800" kern="1200">
+      <a:lvl5pPr marL="3251241" algn="l" defTabSz="1625620" rtl="0" eaLnBrk="1" latinLnBrk="0" hangingPunct="1">
+        <a:defRPr sz="3200" kern="1200">
           <a:solidFill>
             <a:schemeClr val="tx1"/>
           </a:solidFill>
@@ -3275,8 +2930,8 @@
           <a:cs typeface="+mn-cs"/>
         </a:defRPr>
       </a:lvl5pPr>
-      <a:lvl6pPr marL="2286000" algn="l" defTabSz="914400" rtl="0" eaLnBrk="1" latinLnBrk="0" hangingPunct="1">
-        <a:defRPr sz="1800" kern="1200">
+      <a:lvl6pPr marL="4064051" algn="l" defTabSz="1625620" rtl="0" eaLnBrk="1" latinLnBrk="0" hangingPunct="1">
+        <a:defRPr sz="3200" kern="1200">
           <a:solidFill>
             <a:schemeClr val="tx1"/>
           </a:solidFill>
@@ -3285,8 +2940,8 @@
           <a:cs typeface="+mn-cs"/>
         </a:defRPr>
       </a:lvl6pPr>
-      <a:lvl7pPr marL="2743200" algn="l" defTabSz="914400" rtl="0" eaLnBrk="1" latinLnBrk="0" hangingPunct="1">
-        <a:defRPr sz="1800" kern="1200">
+      <a:lvl7pPr marL="4876861" algn="l" defTabSz="1625620" rtl="0" eaLnBrk="1" latinLnBrk="0" hangingPunct="1">
+        <a:defRPr sz="3200" kern="1200">
           <a:solidFill>
             <a:schemeClr val="tx1"/>
           </a:solidFill>
@@ -3295,8 +2950,8 @@
           <a:cs typeface="+mn-cs"/>
         </a:defRPr>
       </a:lvl7pPr>
-      <a:lvl8pPr marL="3200400" algn="l" defTabSz="914400" rtl="0" eaLnBrk="1" latinLnBrk="0" hangingPunct="1">
-        <a:defRPr sz="1800" kern="1200">
+      <a:lvl8pPr marL="5689671" algn="l" defTabSz="1625620" rtl="0" eaLnBrk="1" latinLnBrk="0" hangingPunct="1">
+        <a:defRPr sz="3200" kern="1200">
           <a:solidFill>
             <a:schemeClr val="tx1"/>
           </a:solidFill>
@@ -3305,8 +2960,8 @@
           <a:cs typeface="+mn-cs"/>
         </a:defRPr>
       </a:lvl8pPr>
-      <a:lvl9pPr marL="3657600" algn="l" defTabSz="914400" rtl="0" eaLnBrk="1" latinLnBrk="0" hangingPunct="1">
-        <a:defRPr sz="1800" kern="1200">
+      <a:lvl9pPr marL="6502481" algn="l" defTabSz="1625620" rtl="0" eaLnBrk="1" latinLnBrk="0" hangingPunct="1">
+        <a:defRPr sz="3200" kern="1200">
           <a:solidFill>
             <a:schemeClr val="tx1"/>
           </a:solidFill>
@@ -3359,13 +3014,13 @@
         </p:blipFill>
         <p:spPr>
           <a:xfrm>
-            <a:off x="47500" y="27681"/>
-            <a:ext cx="6222671" cy="6794693"/>
+            <a:off x="944401" y="85062"/>
+            <a:ext cx="11006589" cy="12018375"/>
           </a:xfrm>
           <a:prstGeom prst="rect">
             <a:avLst/>
           </a:prstGeom>
-          <a:ln>
+          <a:ln w="9525">
             <a:solidFill>
               <a:schemeClr val="tx1"/>
             </a:solidFill>
@@ -3374,10 +3029,10 @@
       </p:pic>
       <p:pic>
         <p:nvPicPr>
-          <p:cNvPr id="7" name="Picture 6">
+          <p:cNvPr id="3" name="Picture 2">
             <a:extLst>
               <a:ext uri="{FF2B5EF4-FFF2-40B4-BE49-F238E27FC236}">
-                <a16:creationId xmlns:a16="http://schemas.microsoft.com/office/drawing/2014/main" id="{A4F48368-B128-CE47-9037-995BA37274BA}"/>
+                <a16:creationId xmlns:a16="http://schemas.microsoft.com/office/drawing/2014/main" id="{514C9215-D45D-CE4E-BBB7-20D574420CAA}"/>
               </a:ext>
             </a:extLst>
           </p:cNvPr>
@@ -3394,8 +3049,8 @@
         </p:blipFill>
         <p:spPr>
           <a:xfrm>
-            <a:off x="6412676" y="28466"/>
-            <a:ext cx="5743699" cy="3389492"/>
+            <a:off x="5847907" y="88564"/>
+            <a:ext cx="9490437" cy="5334041"/>
           </a:xfrm>
           <a:prstGeom prst="rect">
             <a:avLst/>
@@ -3423,7 +3078,7 @@
 <file path=ppt/theme/theme1.xml><?xml version="1.0" encoding="utf-8"?>
 <a:theme xmlns:a="http://schemas.openxmlformats.org/drawingml/2006/main" name="Office Theme">
   <a:themeElements>
-    <a:clrScheme name="Office">
+    <a:clrScheme name="Office Theme">
       <a:dk1>
         <a:sysClr val="windowText" lastClr="000000"/>
       </a:dk1>
@@ -3461,7 +3116,7 @@
         <a:srgbClr val="954F72"/>
       </a:folHlink>
     </a:clrScheme>
-    <a:fontScheme name="Office">
+    <a:fontScheme name="Office Theme">
       <a:majorFont>
         <a:latin typeface="Calibri Light" panose="020F0302020204030204"/>
         <a:ea typeface=""/>
@@ -3496,23 +3151,6 @@
         <a:font script="Viet" typeface="Times New Roman"/>
         <a:font script="Uigh" typeface="Microsoft Uighur"/>
         <a:font script="Geor" typeface="Sylfaen"/>
-        <a:font script="Armn" typeface="Arial"/>
-        <a:font script="Bugi" typeface="Leelawadee UI"/>
-        <a:font script="Bopo" typeface="Microsoft JhengHei"/>
-        <a:font script="Java" typeface="Javanese Text"/>
-        <a:font script="Lisu" typeface="Segoe UI"/>
-        <a:font script="Mymr" typeface="Myanmar Text"/>
-        <a:font script="Nkoo" typeface="Ebrima"/>
-        <a:font script="Olck" typeface="Nirmala UI"/>
-        <a:font script="Osma" typeface="Ebrima"/>
-        <a:font script="Phag" typeface="Phagspa"/>
-        <a:font script="Syrn" typeface="Estrangelo Edessa"/>
-        <a:font script="Syrj" typeface="Estrangelo Edessa"/>
-        <a:font script="Syre" typeface="Estrangelo Edessa"/>
-        <a:font script="Sora" typeface="Nirmala UI"/>
-        <a:font script="Tale" typeface="Microsoft Tai Le"/>
-        <a:font script="Talu" typeface="Microsoft New Tai Lue"/>
-        <a:font script="Tfng" typeface="Ebrima"/>
       </a:majorFont>
       <a:minorFont>
         <a:latin typeface="Calibri" panose="020F0502020204030204"/>
@@ -3548,26 +3186,9 @@
         <a:font script="Viet" typeface="Arial"/>
         <a:font script="Uigh" typeface="Microsoft Uighur"/>
         <a:font script="Geor" typeface="Sylfaen"/>
-        <a:font script="Armn" typeface="Arial"/>
-        <a:font script="Bugi" typeface="Leelawadee UI"/>
-        <a:font script="Bopo" typeface="Microsoft JhengHei"/>
-        <a:font script="Java" typeface="Javanese Text"/>
-        <a:font script="Lisu" typeface="Segoe UI"/>
-        <a:font script="Mymr" typeface="Myanmar Text"/>
-        <a:font script="Nkoo" typeface="Ebrima"/>
-        <a:font script="Olck" typeface="Nirmala UI"/>
-        <a:font script="Osma" typeface="Ebrima"/>
-        <a:font script="Phag" typeface="Phagspa"/>
-        <a:font script="Syrn" typeface="Estrangelo Edessa"/>
-        <a:font script="Syrj" typeface="Estrangelo Edessa"/>
-        <a:font script="Syre" typeface="Estrangelo Edessa"/>
-        <a:font script="Sora" typeface="Nirmala UI"/>
-        <a:font script="Tale" typeface="Microsoft Tai Le"/>
-        <a:font script="Talu" typeface="Microsoft New Tai Lue"/>
-        <a:font script="Tfng" typeface="Ebrima"/>
       </a:minorFont>
     </a:fontScheme>
-    <a:fmtScheme name="Office">
+    <a:fmtScheme name="Office Theme">
       <a:fillStyleLst>
         <a:solidFill>
           <a:schemeClr val="phClr"/>
